--- a/ibrahim okan akvec seminer sunum.pptx
+++ b/ibrahim okan akvec seminer sunum.pptx
@@ -10,9 +10,9 @@
     <p:sldId id="258" r:id="rId4"/>
     <p:sldId id="259" r:id="rId5"/>
     <p:sldId id="260" r:id="rId6"/>
-    <p:sldId id="261" r:id="rId7"/>
-    <p:sldId id="262" r:id="rId8"/>
-    <p:sldId id="263" r:id="rId9"/>
+    <p:sldId id="264" r:id="rId7"/>
+    <p:sldId id="261" r:id="rId8"/>
+    <p:sldId id="262" r:id="rId9"/>
   </p:sldIdLst>
   <p:sldSz cx="12192000" cy="6858000"/>
   <p:notesSz cx="6858000" cy="9144000"/>
@@ -111,6 +111,11 @@
       </a:defRPr>
     </a:lvl9pPr>
   </p:defaultTextStyle>
+  <p:extLst>
+    <p:ext uri="{EFAFB233-063F-42B5-8137-9DF3F51BA10A}">
+      <p15:sldGuideLst xmlns:p15="http://schemas.microsoft.com/office/powerpoint/2012/main"/>
+    </p:ext>
+  </p:extLst>
 </p:presentation>
 </file>
 
@@ -263,7 +268,7 @@
           <a:p>
             <a:fld id="{3FBF741E-6496-454D-A658-5E0C96BB8EE5}" type="datetimeFigureOut">
               <a:rPr lang="en-GB" smtClean="0"/>
-              <a:t>02/07/2024</a:t>
+              <a:t>06/07/2024</a:t>
             </a:fld>
             <a:endParaRPr lang="en-GB"/>
           </a:p>
@@ -463,7 +468,7 @@
           <a:p>
             <a:fld id="{3FBF741E-6496-454D-A658-5E0C96BB8EE5}" type="datetimeFigureOut">
               <a:rPr lang="en-GB" smtClean="0"/>
-              <a:t>02/07/2024</a:t>
+              <a:t>06/07/2024</a:t>
             </a:fld>
             <a:endParaRPr lang="en-GB"/>
           </a:p>
@@ -673,7 +678,7 @@
           <a:p>
             <a:fld id="{3FBF741E-6496-454D-A658-5E0C96BB8EE5}" type="datetimeFigureOut">
               <a:rPr lang="en-GB" smtClean="0"/>
-              <a:t>02/07/2024</a:t>
+              <a:t>06/07/2024</a:t>
             </a:fld>
             <a:endParaRPr lang="en-GB"/>
           </a:p>
@@ -873,7 +878,7 @@
           <a:p>
             <a:fld id="{3FBF741E-6496-454D-A658-5E0C96BB8EE5}" type="datetimeFigureOut">
               <a:rPr lang="en-GB" smtClean="0"/>
-              <a:t>02/07/2024</a:t>
+              <a:t>06/07/2024</a:t>
             </a:fld>
             <a:endParaRPr lang="en-GB"/>
           </a:p>
@@ -1149,7 +1154,7 @@
           <a:p>
             <a:fld id="{3FBF741E-6496-454D-A658-5E0C96BB8EE5}" type="datetimeFigureOut">
               <a:rPr lang="en-GB" smtClean="0"/>
-              <a:t>02/07/2024</a:t>
+              <a:t>06/07/2024</a:t>
             </a:fld>
             <a:endParaRPr lang="en-GB"/>
           </a:p>
@@ -1417,7 +1422,7 @@
           <a:p>
             <a:fld id="{3FBF741E-6496-454D-A658-5E0C96BB8EE5}" type="datetimeFigureOut">
               <a:rPr lang="en-GB" smtClean="0"/>
-              <a:t>02/07/2024</a:t>
+              <a:t>06/07/2024</a:t>
             </a:fld>
             <a:endParaRPr lang="en-GB"/>
           </a:p>
@@ -1832,7 +1837,7 @@
           <a:p>
             <a:fld id="{3FBF741E-6496-454D-A658-5E0C96BB8EE5}" type="datetimeFigureOut">
               <a:rPr lang="en-GB" smtClean="0"/>
-              <a:t>02/07/2024</a:t>
+              <a:t>06/07/2024</a:t>
             </a:fld>
             <a:endParaRPr lang="en-GB"/>
           </a:p>
@@ -1974,7 +1979,7 @@
           <a:p>
             <a:fld id="{3FBF741E-6496-454D-A658-5E0C96BB8EE5}" type="datetimeFigureOut">
               <a:rPr lang="en-GB" smtClean="0"/>
-              <a:t>02/07/2024</a:t>
+              <a:t>06/07/2024</a:t>
             </a:fld>
             <a:endParaRPr lang="en-GB"/>
           </a:p>
@@ -2087,7 +2092,7 @@
           <a:p>
             <a:fld id="{3FBF741E-6496-454D-A658-5E0C96BB8EE5}" type="datetimeFigureOut">
               <a:rPr lang="en-GB" smtClean="0"/>
-              <a:t>02/07/2024</a:t>
+              <a:t>06/07/2024</a:t>
             </a:fld>
             <a:endParaRPr lang="en-GB"/>
           </a:p>
@@ -2400,7 +2405,7 @@
           <a:p>
             <a:fld id="{3FBF741E-6496-454D-A658-5E0C96BB8EE5}" type="datetimeFigureOut">
               <a:rPr lang="en-GB" smtClean="0"/>
-              <a:t>02/07/2024</a:t>
+              <a:t>06/07/2024</a:t>
             </a:fld>
             <a:endParaRPr lang="en-GB"/>
           </a:p>
@@ -2689,7 +2694,7 @@
           <a:p>
             <a:fld id="{3FBF741E-6496-454D-A658-5E0C96BB8EE5}" type="datetimeFigureOut">
               <a:rPr lang="en-GB" smtClean="0"/>
-              <a:t>02/07/2024</a:t>
+              <a:t>06/07/2024</a:t>
             </a:fld>
             <a:endParaRPr lang="en-GB"/>
           </a:p>
@@ -2932,7 +2937,7 @@
           <a:p>
             <a:fld id="{3FBF741E-6496-454D-A658-5E0C96BB8EE5}" type="datetimeFigureOut">
               <a:rPr lang="en-GB" smtClean="0"/>
-              <a:t>02/07/2024</a:t>
+              <a:t>06/07/2024</a:t>
             </a:fld>
             <a:endParaRPr lang="en-GB"/>
           </a:p>
@@ -3367,7 +3372,9 @@
         </p:nvSpPr>
         <p:spPr/>
         <p:txBody>
-          <a:bodyPr/>
+          <a:bodyPr>
+            <a:normAutofit/>
+          </a:bodyPr>
           <a:lstStyle/>
           <a:p>
             <a:br>
@@ -3384,6 +3391,13 @@
             <a:r>
               <a:rPr lang="en-GB" dirty="0" err="1"/>
               <a:t>Tespiti</a:t>
+            </a:r>
+            <a:br>
+              <a:rPr lang="en-GB" dirty="0"/>
+            </a:br>
+            <a:r>
+              <a:rPr lang="en-GB" sz="2800" dirty="0"/>
+              <a:t>(Stance Detection)</a:t>
             </a:r>
             <a:endParaRPr lang="en-GB" dirty="0"/>
           </a:p>
@@ -3413,40 +3427,25 @@
           <a:lstStyle/>
           <a:p>
             <a:r>
-              <a:rPr lang="en-GB" dirty="0"/>
+              <a:rPr lang="en-GB"/>
               <a:t>İBRAHİM OKAN AKVEÇ</a:t>
             </a:r>
           </a:p>
           <a:p>
             <a:r>
-              <a:rPr lang="en-GB" dirty="0"/>
+              <a:rPr lang="en-GB"/>
               <a:t>1238105104</a:t>
             </a:r>
           </a:p>
           <a:p>
+            <a:endParaRPr lang="en-GB"/>
+          </a:p>
+          <a:p>
+            <a:r>
+              <a:rPr lang="en-GB"/>
+              <a:t>Tez Danışmanı: Dr. ÖZLEM AYDIN FİDAN</a:t>
+            </a:r>
             <a:endParaRPr lang="en-GB" dirty="0"/>
-          </a:p>
-          <a:p>
-            <a:r>
-              <a:rPr lang="en-GB" dirty="0"/>
-              <a:t>Tez </a:t>
-            </a:r>
-            <a:r>
-              <a:rPr lang="en-GB" dirty="0" err="1"/>
-              <a:t>Danışmanı</a:t>
-            </a:r>
-            <a:r>
-              <a:rPr lang="en-GB" dirty="0"/>
-              <a:t>: </a:t>
-            </a:r>
-            <a:r>
-              <a:rPr lang="en-GB" dirty="0" err="1"/>
-              <a:t>Dr.</a:t>
-            </a:r>
-            <a:r>
-              <a:rPr lang="en-GB" dirty="0"/>
-              <a:t> ÖZLEM AYDIN FİDAN</a:t>
-            </a:r>
           </a:p>
         </p:txBody>
       </p:sp>
@@ -3531,15 +3530,87 @@
           <a:p>
             <a:r>
               <a:rPr lang="en-GB" dirty="0" err="1"/>
-              <a:t>Tanım</a:t>
+              <a:t>Duruş</a:t>
+            </a:r>
+            <a:r>
+              <a:rPr lang="en-GB" dirty="0"/>
+              <a:t> </a:t>
+            </a:r>
+            <a:r>
+              <a:rPr lang="en-GB" dirty="0" err="1"/>
+              <a:t>Tespiti</a:t>
+            </a:r>
+            <a:r>
+              <a:rPr lang="en-GB" dirty="0"/>
+              <a:t> </a:t>
+            </a:r>
+            <a:r>
+              <a:rPr lang="en-GB" dirty="0" err="1"/>
+              <a:t>Tanımı</a:t>
             </a:r>
             <a:endParaRPr lang="en-GB" dirty="0"/>
           </a:p>
           <a:p>
             <a:r>
-              <a:rPr lang="en-GB" dirty="0"/>
-              <a:t>Problem</a:t>
-            </a:r>
+              <a:rPr lang="en-GB" dirty="0" err="1"/>
+              <a:t>Uygulama</a:t>
+            </a:r>
+            <a:r>
+              <a:rPr lang="en-GB" dirty="0"/>
+              <a:t> </a:t>
+            </a:r>
+            <a:r>
+              <a:rPr lang="en-GB" dirty="0" err="1"/>
+              <a:t>Alanları</a:t>
+            </a:r>
+            <a:endParaRPr lang="en-GB" dirty="0"/>
+          </a:p>
+          <a:p>
+            <a:r>
+              <a:rPr lang="en-GB" dirty="0" err="1"/>
+              <a:t>Duruş</a:t>
+            </a:r>
+            <a:r>
+              <a:rPr lang="en-GB" dirty="0"/>
+              <a:t> </a:t>
+            </a:r>
+            <a:r>
+              <a:rPr lang="en-GB" dirty="0" err="1"/>
+              <a:t>Tespiti</a:t>
+            </a:r>
+            <a:r>
+              <a:rPr lang="en-GB" dirty="0"/>
+              <a:t> </a:t>
+            </a:r>
+            <a:r>
+              <a:rPr lang="en-GB" dirty="0" err="1"/>
+              <a:t>ve</a:t>
+            </a:r>
+            <a:r>
+              <a:rPr lang="en-GB" dirty="0"/>
+              <a:t> </a:t>
+            </a:r>
+            <a:r>
+              <a:rPr lang="en-GB" dirty="0" err="1"/>
+              <a:t>Diğer</a:t>
+            </a:r>
+            <a:r>
+              <a:rPr lang="en-GB" dirty="0"/>
+              <a:t> </a:t>
+            </a:r>
+            <a:r>
+              <a:rPr lang="en-GB" dirty="0" err="1"/>
+              <a:t>Alanlarla</a:t>
+            </a:r>
+            <a:r>
+              <a:rPr lang="en-GB" dirty="0"/>
+              <a:t> </a:t>
+            </a:r>
+            <a:r>
+              <a:rPr lang="en-GB" dirty="0" err="1"/>
+              <a:t>İlişkisi</a:t>
+            </a:r>
+            <a:endParaRPr lang="en-GB" dirty="0"/>
           </a:p>
           <a:p>
             <a:r>
@@ -3550,6 +3621,13 @@
               <a:rPr lang="en-GB" dirty="0"/>
               <a:t> Model</a:t>
             </a:r>
+          </a:p>
+          <a:p>
+            <a:r>
+              <a:rPr lang="en-GB" dirty="0" err="1"/>
+              <a:t>Sonuç</a:t>
+            </a:r>
+            <a:endParaRPr lang="en-GB" dirty="0"/>
           </a:p>
         </p:txBody>
       </p:sp>
@@ -3569,6 +3647,14 @@
 <file path=ppt/slides/slide3.xml><?xml version="1.0" encoding="utf-8"?>
 <p:sld xmlns:a="http://schemas.openxmlformats.org/drawingml/2006/main" xmlns:r="http://schemas.openxmlformats.org/officeDocument/2006/relationships" xmlns:p="http://schemas.openxmlformats.org/presentationml/2006/main">
   <p:cSld>
+    <p:bg>
+      <p:bgPr>
+        <a:solidFill>
+          <a:schemeClr val="bg1"/>
+        </a:solidFill>
+        <a:effectLst/>
+      </p:bgPr>
+    </p:bg>
     <p:spTree>
       <p:nvGrpSpPr>
         <p:cNvPr id="1" name=""/>
@@ -3583,6 +3669,66 @@
           <a:chExt cx="0" cy="0"/>
         </a:xfrm>
       </p:grpSpPr>
+      <p:sp useBgFill="1">
+        <p:nvSpPr>
+          <p:cNvPr id="19" name="Rectangle 18">
+            <a:extLst>
+              <a:ext uri="{FF2B5EF4-FFF2-40B4-BE49-F238E27FC236}">
+                <a16:creationId xmlns:a16="http://schemas.microsoft.com/office/drawing/2014/main" id="{2B97F24A-32CE-4C1C-A50D-3016B394DCFB}"/>
+              </a:ext>
+              <a:ext uri="{C183D7F6-B498-43B3-948B-1728B52AA6E4}">
+                <adec:decorative xmlns:adec="http://schemas.microsoft.com/office/drawing/2017/decorative" val="1"/>
+              </a:ext>
+            </a:extLst>
+          </p:cNvPr>
+          <p:cNvSpPr>
+            <a:spLocks noGrp="1" noRot="1" noChangeAspect="1" noMove="1" noResize="1" noEditPoints="1" noAdjustHandles="1" noChangeArrowheads="1" noChangeShapeType="1" noTextEdit="1"/>
+          </p:cNvSpPr>
+          <p:nvPr>
+            <p:extLst>
+              <p:ext uri="{386F3935-93C4-4BCD-93E2-E3B085C9AB24}">
+                <p16:designElem xmlns:p16="http://schemas.microsoft.com/office/powerpoint/2015/main" val="1"/>
+              </p:ext>
+            </p:extLst>
+          </p:nvPr>
+        </p:nvSpPr>
+        <p:spPr>
+          <a:xfrm>
+            <a:off x="0" y="0"/>
+            <a:ext cx="12192000" cy="6858000"/>
+          </a:xfrm>
+          <a:prstGeom prst="rect">
+            <a:avLst/>
+          </a:prstGeom>
+          <a:ln>
+            <a:noFill/>
+          </a:ln>
+        </p:spPr>
+        <p:style>
+          <a:lnRef idx="2">
+            <a:schemeClr val="accent1">
+              <a:shade val="50000"/>
+            </a:schemeClr>
+          </a:lnRef>
+          <a:fillRef idx="1">
+            <a:schemeClr val="accent1"/>
+          </a:fillRef>
+          <a:effectRef idx="0">
+            <a:schemeClr val="accent1"/>
+          </a:effectRef>
+          <a:fontRef idx="minor">
+            <a:schemeClr val="lt1"/>
+          </a:fontRef>
+        </p:style>
+        <p:txBody>
+          <a:bodyPr rtlCol="0" anchor="ctr"/>
+          <a:lstStyle/>
+          <a:p>
+            <a:pPr algn="ctr"/>
+            <a:endParaRPr lang="en-US"/>
+          </a:p>
+        </p:txBody>
+      </p:sp>
       <p:sp>
         <p:nvSpPr>
           <p:cNvPr id="2" name="Title 1">
@@ -3599,24 +3745,295 @@
             <p:ph type="title"/>
           </p:nvPr>
         </p:nvSpPr>
-        <p:spPr/>
-        <p:txBody>
-          <a:bodyPr/>
-          <a:lstStyle/>
-          <a:p>
-            <a:r>
-              <a:rPr lang="en-GB" dirty="0" err="1"/>
-              <a:t>Duruş</a:t>
-            </a:r>
-            <a:r>
-              <a:rPr lang="en-GB" dirty="0"/>
-              <a:t> </a:t>
-            </a:r>
-            <a:r>
-              <a:rPr lang="en-GB" dirty="0" err="1"/>
-              <a:t>Tespiti</a:t>
-            </a:r>
-            <a:endParaRPr lang="en-GB" dirty="0"/>
+        <p:spPr>
+          <a:xfrm>
+            <a:off x="630936" y="639520"/>
+            <a:ext cx="3429000" cy="1719072"/>
+          </a:xfrm>
+        </p:spPr>
+        <p:txBody>
+          <a:bodyPr anchor="b">
+            <a:normAutofit/>
+          </a:bodyPr>
+          <a:lstStyle/>
+          <a:p>
+            <a:r>
+              <a:rPr lang="en-GB" sz="5400"/>
+              <a:t>Duruş Tespiti</a:t>
+            </a:r>
+          </a:p>
+        </p:txBody>
+      </p:sp>
+      <p:sp>
+        <p:nvSpPr>
+          <p:cNvPr id="21" name="sketch line">
+            <a:extLst>
+              <a:ext uri="{FF2B5EF4-FFF2-40B4-BE49-F238E27FC236}">
+                <a16:creationId xmlns:a16="http://schemas.microsoft.com/office/drawing/2014/main" id="{CD8B4F24-440B-49E9-B85D-733523DC064B}"/>
+              </a:ext>
+              <a:ext uri="{C183D7F6-B498-43B3-948B-1728B52AA6E4}">
+                <adec:decorative xmlns:adec="http://schemas.microsoft.com/office/drawing/2017/decorative" val="1"/>
+              </a:ext>
+            </a:extLst>
+          </p:cNvPr>
+          <p:cNvSpPr>
+            <a:spLocks noGrp="1" noRot="1" noChangeAspect="1" noMove="1" noResize="1" noEditPoints="1" noAdjustHandles="1" noChangeArrowheads="1" noChangeShapeType="1" noTextEdit="1"/>
+          </p:cNvSpPr>
+          <p:nvPr>
+            <p:extLst>
+              <p:ext uri="{386F3935-93C4-4BCD-93E2-E3B085C9AB24}">
+                <p16:designElem xmlns:p16="http://schemas.microsoft.com/office/powerpoint/2015/main" val="1"/>
+              </p:ext>
+            </p:extLst>
+          </p:nvPr>
+        </p:nvSpPr>
+        <p:spPr>
+          <a:xfrm>
+            <a:off x="643278" y="2573756"/>
+            <a:ext cx="3255095" cy="18288"/>
+          </a:xfrm>
+          <a:custGeom>
+            <a:avLst/>
+            <a:gdLst>
+              <a:gd name="connsiteX0" fmla="*/ 0 w 3255095"/>
+              <a:gd name="connsiteY0" fmla="*/ 0 h 18288"/>
+              <a:gd name="connsiteX1" fmla="*/ 618468 w 3255095"/>
+              <a:gd name="connsiteY1" fmla="*/ 0 h 18288"/>
+              <a:gd name="connsiteX2" fmla="*/ 1269487 w 3255095"/>
+              <a:gd name="connsiteY2" fmla="*/ 0 h 18288"/>
+              <a:gd name="connsiteX3" fmla="*/ 1953057 w 3255095"/>
+              <a:gd name="connsiteY3" fmla="*/ 0 h 18288"/>
+              <a:gd name="connsiteX4" fmla="*/ 2636627 w 3255095"/>
+              <a:gd name="connsiteY4" fmla="*/ 0 h 18288"/>
+              <a:gd name="connsiteX5" fmla="*/ 3255095 w 3255095"/>
+              <a:gd name="connsiteY5" fmla="*/ 0 h 18288"/>
+              <a:gd name="connsiteX6" fmla="*/ 3255095 w 3255095"/>
+              <a:gd name="connsiteY6" fmla="*/ 18288 h 18288"/>
+              <a:gd name="connsiteX7" fmla="*/ 2538974 w 3255095"/>
+              <a:gd name="connsiteY7" fmla="*/ 18288 h 18288"/>
+              <a:gd name="connsiteX8" fmla="*/ 1822853 w 3255095"/>
+              <a:gd name="connsiteY8" fmla="*/ 18288 h 18288"/>
+              <a:gd name="connsiteX9" fmla="*/ 1171834 w 3255095"/>
+              <a:gd name="connsiteY9" fmla="*/ 18288 h 18288"/>
+              <a:gd name="connsiteX10" fmla="*/ 0 w 3255095"/>
+              <a:gd name="connsiteY10" fmla="*/ 18288 h 18288"/>
+              <a:gd name="connsiteX11" fmla="*/ 0 w 3255095"/>
+              <a:gd name="connsiteY11" fmla="*/ 0 h 18288"/>
+            </a:gdLst>
+            <a:ahLst/>
+            <a:cxnLst>
+              <a:cxn ang="0">
+                <a:pos x="connsiteX0" y="connsiteY0"/>
+              </a:cxn>
+              <a:cxn ang="0">
+                <a:pos x="connsiteX1" y="connsiteY1"/>
+              </a:cxn>
+              <a:cxn ang="0">
+                <a:pos x="connsiteX2" y="connsiteY2"/>
+              </a:cxn>
+              <a:cxn ang="0">
+                <a:pos x="connsiteX3" y="connsiteY3"/>
+              </a:cxn>
+              <a:cxn ang="0">
+                <a:pos x="connsiteX4" y="connsiteY4"/>
+              </a:cxn>
+              <a:cxn ang="0">
+                <a:pos x="connsiteX5" y="connsiteY5"/>
+              </a:cxn>
+              <a:cxn ang="0">
+                <a:pos x="connsiteX6" y="connsiteY6"/>
+              </a:cxn>
+              <a:cxn ang="0">
+                <a:pos x="connsiteX7" y="connsiteY7"/>
+              </a:cxn>
+              <a:cxn ang="0">
+                <a:pos x="connsiteX8" y="connsiteY8"/>
+              </a:cxn>
+              <a:cxn ang="0">
+                <a:pos x="connsiteX9" y="connsiteY9"/>
+              </a:cxn>
+              <a:cxn ang="0">
+                <a:pos x="connsiteX10" y="connsiteY10"/>
+              </a:cxn>
+              <a:cxn ang="0">
+                <a:pos x="connsiteX11" y="connsiteY11"/>
+              </a:cxn>
+            </a:cxnLst>
+            <a:rect l="l" t="t" r="r" b="b"/>
+            <a:pathLst>
+              <a:path w="3255095" h="18288" fill="none" extrusionOk="0">
+                <a:moveTo>
+                  <a:pt x="0" y="0"/>
+                </a:moveTo>
+                <a:cubicBezTo>
+                  <a:pt x="240201" y="-22123"/>
+                  <a:pt x="462021" y="-19623"/>
+                  <a:pt x="618468" y="0"/>
+                </a:cubicBezTo>
+                <a:cubicBezTo>
+                  <a:pt x="774915" y="19623"/>
+                  <a:pt x="974734" y="2035"/>
+                  <a:pt x="1269487" y="0"/>
+                </a:cubicBezTo>
+                <a:cubicBezTo>
+                  <a:pt x="1564240" y="-2035"/>
+                  <a:pt x="1733579" y="10639"/>
+                  <a:pt x="1953057" y="0"/>
+                </a:cubicBezTo>
+                <a:cubicBezTo>
+                  <a:pt x="2172535" y="-10639"/>
+                  <a:pt x="2453962" y="14018"/>
+                  <a:pt x="2636627" y="0"/>
+                </a:cubicBezTo>
+                <a:cubicBezTo>
+                  <a:pt x="2819292" y="-14018"/>
+                  <a:pt x="3121375" y="5399"/>
+                  <a:pt x="3255095" y="0"/>
+                </a:cubicBezTo>
+                <a:cubicBezTo>
+                  <a:pt x="3254386" y="8157"/>
+                  <a:pt x="3254682" y="12125"/>
+                  <a:pt x="3255095" y="18288"/>
+                </a:cubicBezTo>
+                <a:cubicBezTo>
+                  <a:pt x="3088545" y="23203"/>
+                  <a:pt x="2687475" y="7419"/>
+                  <a:pt x="2538974" y="18288"/>
+                </a:cubicBezTo>
+                <a:cubicBezTo>
+                  <a:pt x="2390473" y="29157"/>
+                  <a:pt x="2137381" y="-8959"/>
+                  <a:pt x="1822853" y="18288"/>
+                </a:cubicBezTo>
+                <a:cubicBezTo>
+                  <a:pt x="1508325" y="45535"/>
+                  <a:pt x="1466437" y="20385"/>
+                  <a:pt x="1171834" y="18288"/>
+                </a:cubicBezTo>
+                <a:cubicBezTo>
+                  <a:pt x="877231" y="16191"/>
+                  <a:pt x="561097" y="37643"/>
+                  <a:pt x="0" y="18288"/>
+                </a:cubicBezTo>
+                <a:cubicBezTo>
+                  <a:pt x="-46" y="12483"/>
+                  <a:pt x="-203" y="6491"/>
+                  <a:pt x="0" y="0"/>
+                </a:cubicBezTo>
+                <a:close/>
+              </a:path>
+              <a:path w="3255095" h="18288" stroke="0" extrusionOk="0">
+                <a:moveTo>
+                  <a:pt x="0" y="0"/>
+                </a:moveTo>
+                <a:cubicBezTo>
+                  <a:pt x="291965" y="19429"/>
+                  <a:pt x="363155" y="8568"/>
+                  <a:pt x="618468" y="0"/>
+                </a:cubicBezTo>
+                <a:cubicBezTo>
+                  <a:pt x="873781" y="-8568"/>
+                  <a:pt x="904459" y="-19505"/>
+                  <a:pt x="1171834" y="0"/>
+                </a:cubicBezTo>
+                <a:cubicBezTo>
+                  <a:pt x="1439209" y="19505"/>
+                  <a:pt x="1744369" y="9790"/>
+                  <a:pt x="1887955" y="0"/>
+                </a:cubicBezTo>
+                <a:cubicBezTo>
+                  <a:pt x="2031541" y="-9790"/>
+                  <a:pt x="2346378" y="21240"/>
+                  <a:pt x="2506423" y="0"/>
+                </a:cubicBezTo>
+                <a:cubicBezTo>
+                  <a:pt x="2666468" y="-21240"/>
+                  <a:pt x="2990257" y="30414"/>
+                  <a:pt x="3255095" y="0"/>
+                </a:cubicBezTo>
+                <a:cubicBezTo>
+                  <a:pt x="3254831" y="4493"/>
+                  <a:pt x="3255479" y="9472"/>
+                  <a:pt x="3255095" y="18288"/>
+                </a:cubicBezTo>
+                <a:cubicBezTo>
+                  <a:pt x="3120743" y="16690"/>
+                  <a:pt x="2759628" y="42462"/>
+                  <a:pt x="2604076" y="18288"/>
+                </a:cubicBezTo>
+                <a:cubicBezTo>
+                  <a:pt x="2448524" y="-5886"/>
+                  <a:pt x="2184336" y="19599"/>
+                  <a:pt x="1887955" y="18288"/>
+                </a:cubicBezTo>
+                <a:cubicBezTo>
+                  <a:pt x="1591574" y="16977"/>
+                  <a:pt x="1548845" y="6870"/>
+                  <a:pt x="1334589" y="18288"/>
+                </a:cubicBezTo>
+                <a:cubicBezTo>
+                  <a:pt x="1120333" y="29706"/>
+                  <a:pt x="996014" y="9662"/>
+                  <a:pt x="683570" y="18288"/>
+                </a:cubicBezTo>
+                <a:cubicBezTo>
+                  <a:pt x="371126" y="26914"/>
+                  <a:pt x="198687" y="16167"/>
+                  <a:pt x="0" y="18288"/>
+                </a:cubicBezTo>
+                <a:cubicBezTo>
+                  <a:pt x="843" y="9577"/>
+                  <a:pt x="371" y="6900"/>
+                  <a:pt x="0" y="0"/>
+                </a:cubicBezTo>
+                <a:close/>
+              </a:path>
+            </a:pathLst>
+          </a:custGeom>
+          <a:solidFill>
+            <a:schemeClr val="accent2"/>
+          </a:solidFill>
+          <a:ln w="38100" cap="rnd">
+            <a:solidFill>
+              <a:schemeClr val="accent2"/>
+            </a:solidFill>
+            <a:round/>
+            <a:extLst>
+              <a:ext uri="{C807C97D-BFC1-408E-A445-0C87EB9F89A2}">
+                <ask:lineSketchStyleProps xmlns:ask="http://schemas.microsoft.com/office/drawing/2018/sketchyshapes" sd="1219033472">
+                  <a:prstGeom prst="rect">
+                    <a:avLst/>
+                  </a:prstGeom>
+                  <ask:type>
+                    <ask:lineSketchFreehand/>
+                  </ask:type>
+                </ask:lineSketchStyleProps>
+              </a:ext>
+            </a:extLst>
+          </a:ln>
+        </p:spPr>
+        <p:style>
+          <a:lnRef idx="2">
+            <a:schemeClr val="accent1">
+              <a:shade val="50000"/>
+            </a:schemeClr>
+          </a:lnRef>
+          <a:fillRef idx="1">
+            <a:schemeClr val="accent1"/>
+          </a:fillRef>
+          <a:effectRef idx="0">
+            <a:schemeClr val="accent1"/>
+          </a:effectRef>
+          <a:fontRef idx="minor">
+            <a:schemeClr val="lt1"/>
+          </a:fontRef>
+        </p:style>
+        <p:txBody>
+          <a:bodyPr rtlCol="0" anchor="ctr"/>
+          <a:lstStyle/>
+          <a:p>
+            <a:pPr algn="ctr"/>
+            <a:endParaRPr lang="en-US"/>
           </a:p>
         </p:txBody>
       </p:sp>
@@ -3636,15 +4053,68 @@
             <p:ph idx="1"/>
           </p:nvPr>
         </p:nvSpPr>
-        <p:spPr/>
-        <p:txBody>
-          <a:bodyPr/>
-          <a:lstStyle/>
-          <a:p>
-            <a:endParaRPr lang="en-GB" dirty="0"/>
-          </a:p>
-        </p:txBody>
-      </p:sp>
+        <p:spPr>
+          <a:xfrm>
+            <a:off x="630936" y="2807208"/>
+            <a:ext cx="3429000" cy="3410712"/>
+          </a:xfrm>
+        </p:spPr>
+        <p:txBody>
+          <a:bodyPr anchor="t">
+            <a:normAutofit/>
+          </a:bodyPr>
+          <a:lstStyle/>
+          <a:p>
+            <a:r>
+              <a:rPr lang="en-GB" sz="2000"/>
+              <a:t>Bir metin içerisindeki yazarın veya konuşmacının belirli bir konuya karşı olan duruşunu (destekleyici, karşıt, tarafsız) belirlemeyi amaçlayan bir doğal dil işleme görevidir. </a:t>
+            </a:r>
+          </a:p>
+          <a:p>
+            <a:r>
+              <a:rPr lang="en-GB" sz="2000"/>
+              <a:t>Örneğin, bir tweet'in belirli bir politikaya destek olup olmadığını anlamak duruş tespiti ile mümkündür.</a:t>
+            </a:r>
+          </a:p>
+        </p:txBody>
+      </p:sp>
+      <p:pic>
+        <p:nvPicPr>
+          <p:cNvPr id="6" name="Picture 5" descr="A diagram of a person's relationship&#10;&#10;Description automatically generated">
+            <a:extLst>
+              <a:ext uri="{FF2B5EF4-FFF2-40B4-BE49-F238E27FC236}">
+                <a16:creationId xmlns:a16="http://schemas.microsoft.com/office/drawing/2014/main" id="{8B587079-82D7-0D47-626F-200D346E4FA3}"/>
+              </a:ext>
+            </a:extLst>
+          </p:cNvPr>
+          <p:cNvPicPr>
+            <a:picLocks noChangeAspect="1"/>
+          </p:cNvPicPr>
+          <p:nvPr/>
+        </p:nvPicPr>
+        <p:blipFill>
+          <a:blip r:embed="rId2">
+            <a:extLst>
+              <a:ext uri="{28A0092B-C50C-407E-A947-70E740481C1C}">
+                <a14:useLocalDpi xmlns:a14="http://schemas.microsoft.com/office/drawing/2010/main" val="0"/>
+              </a:ext>
+            </a:extLst>
+          </a:blip>
+          <a:stretch>
+            <a:fillRect/>
+          </a:stretch>
+        </p:blipFill>
+        <p:spPr bwMode="auto">
+          <a:xfrm>
+            <a:off x="4654296" y="1703070"/>
+            <a:ext cx="6903720" cy="3451860"/>
+          </a:xfrm>
+          <a:prstGeom prst="rect">
+            <a:avLst/>
+          </a:prstGeom>
+          <a:noFill/>
+        </p:spPr>
+      </p:pic>
     </p:spTree>
     <p:extLst>
       <p:ext uri="{BB962C8B-B14F-4D97-AF65-F5344CB8AC3E}">
@@ -3693,45 +4163,309 @@
         </p:nvSpPr>
         <p:spPr/>
         <p:txBody>
+          <a:bodyPr>
+            <a:normAutofit/>
+          </a:bodyPr>
+          <a:lstStyle/>
+          <a:p>
+            <a:r>
+              <a:rPr lang="en-GB" dirty="0" err="1"/>
+              <a:t>Uygulama</a:t>
+            </a:r>
+            <a:r>
+              <a:rPr lang="en-GB" dirty="0"/>
+              <a:t> </a:t>
+            </a:r>
+            <a:r>
+              <a:rPr lang="en-GB" dirty="0" err="1"/>
+              <a:t>Alanları</a:t>
+            </a:r>
+            <a:endParaRPr lang="en-GB" dirty="0"/>
+          </a:p>
+        </p:txBody>
+      </p:sp>
+      <p:sp>
+        <p:nvSpPr>
+          <p:cNvPr id="3" name="Content Placeholder 2">
+            <a:extLst>
+              <a:ext uri="{FF2B5EF4-FFF2-40B4-BE49-F238E27FC236}">
+                <a16:creationId xmlns:a16="http://schemas.microsoft.com/office/drawing/2014/main" id="{4B36E6FF-E0F9-3FB4-50C9-42B3DAC008EA}"/>
+              </a:ext>
+            </a:extLst>
+          </p:cNvPr>
+          <p:cNvSpPr>
+            <a:spLocks noGrp="1"/>
+          </p:cNvSpPr>
+          <p:nvPr>
+            <p:ph idx="1"/>
+          </p:nvPr>
+        </p:nvSpPr>
+        <p:spPr/>
+        <p:txBody>
           <a:bodyPr/>
           <a:lstStyle/>
           <a:p>
-            <a:r>
-              <a:rPr lang="en-GB" dirty="0" err="1"/>
-              <a:t>İlgili</a:t>
-            </a:r>
-            <a:r>
-              <a:rPr lang="en-GB" dirty="0"/>
-              <a:t> </a:t>
-            </a:r>
-            <a:r>
-              <a:rPr lang="en-GB" dirty="0" err="1"/>
-              <a:t>Alanlar</a:t>
-            </a:r>
-            <a:endParaRPr lang="en-GB" dirty="0"/>
-          </a:p>
-        </p:txBody>
-      </p:sp>
-      <p:sp>
-        <p:nvSpPr>
-          <p:cNvPr id="3" name="Content Placeholder 2">
-            <a:extLst>
-              <a:ext uri="{FF2B5EF4-FFF2-40B4-BE49-F238E27FC236}">
-                <a16:creationId xmlns:a16="http://schemas.microsoft.com/office/drawing/2014/main" id="{4B36E6FF-E0F9-3FB4-50C9-42B3DAC008EA}"/>
-              </a:ext>
-            </a:extLst>
-          </p:cNvPr>
-          <p:cNvSpPr>
-            <a:spLocks noGrp="1"/>
-          </p:cNvSpPr>
-          <p:nvPr>
-            <p:ph idx="1"/>
-          </p:nvPr>
-        </p:nvSpPr>
-        <p:spPr/>
-        <p:txBody>
-          <a:bodyPr/>
-          <a:lstStyle/>
+            <a:pPr>
+              <a:buFont typeface="Arial" panose="020B0604020202020204" pitchFamily="34" charset="0"/>
+              <a:buChar char="•"/>
+            </a:pPr>
+            <a:r>
+              <a:rPr lang="en-GB" b="1" dirty="0" err="1"/>
+              <a:t>Sosyal</a:t>
+            </a:r>
+            <a:r>
+              <a:rPr lang="en-GB" b="1" dirty="0"/>
+              <a:t> </a:t>
+            </a:r>
+            <a:r>
+              <a:rPr lang="en-GB" b="1" dirty="0" err="1"/>
+              <a:t>Medya</a:t>
+            </a:r>
+            <a:r>
+              <a:rPr lang="en-GB" b="1" dirty="0"/>
+              <a:t> </a:t>
+            </a:r>
+            <a:r>
+              <a:rPr lang="en-GB" b="1" dirty="0" err="1"/>
+              <a:t>Analizi</a:t>
+            </a:r>
+            <a:r>
+              <a:rPr lang="en-GB" dirty="0"/>
+              <a:t>: </a:t>
+            </a:r>
+            <a:r>
+              <a:rPr lang="en-GB" dirty="0" err="1"/>
+              <a:t>Kullanıcıların</a:t>
+            </a:r>
+            <a:r>
+              <a:rPr lang="en-GB" dirty="0"/>
+              <a:t> </a:t>
+            </a:r>
+            <a:r>
+              <a:rPr lang="en-GB" dirty="0" err="1"/>
+              <a:t>belirli</a:t>
+            </a:r>
+            <a:r>
+              <a:rPr lang="en-GB" dirty="0"/>
+              <a:t> </a:t>
+            </a:r>
+            <a:r>
+              <a:rPr lang="en-GB" dirty="0" err="1"/>
+              <a:t>konulara</a:t>
+            </a:r>
+            <a:r>
+              <a:rPr lang="en-GB" dirty="0"/>
+              <a:t> </a:t>
+            </a:r>
+            <a:r>
+              <a:rPr lang="en-GB" dirty="0" err="1"/>
+              <a:t>olan</a:t>
+            </a:r>
+            <a:r>
+              <a:rPr lang="en-GB" dirty="0"/>
+              <a:t> </a:t>
+            </a:r>
+            <a:r>
+              <a:rPr lang="en-GB" dirty="0" err="1"/>
+              <a:t>yaklaşımlarını</a:t>
+            </a:r>
+            <a:r>
+              <a:rPr lang="en-GB" dirty="0"/>
+              <a:t> </a:t>
+            </a:r>
+            <a:r>
+              <a:rPr lang="en-GB" dirty="0" err="1"/>
+              <a:t>anlamak</a:t>
+            </a:r>
+            <a:r>
+              <a:rPr lang="en-GB" dirty="0"/>
+              <a:t>.</a:t>
+            </a:r>
+          </a:p>
+          <a:p>
+            <a:pPr>
+              <a:buFont typeface="Arial" panose="020B0604020202020204" pitchFamily="34" charset="0"/>
+              <a:buChar char="•"/>
+            </a:pPr>
+            <a:r>
+              <a:rPr lang="en-GB" b="1" dirty="0"/>
+              <a:t>Haber </a:t>
+            </a:r>
+            <a:r>
+              <a:rPr lang="en-GB" b="1" dirty="0" err="1"/>
+              <a:t>Analizi</a:t>
+            </a:r>
+            <a:r>
+              <a:rPr lang="en-GB" dirty="0"/>
+              <a:t>: </a:t>
+            </a:r>
+            <a:r>
+              <a:rPr lang="en-GB" dirty="0" err="1"/>
+              <a:t>Farklı</a:t>
+            </a:r>
+            <a:r>
+              <a:rPr lang="en-GB" dirty="0"/>
+              <a:t> </a:t>
+            </a:r>
+            <a:r>
+              <a:rPr lang="en-GB" dirty="0" err="1"/>
+              <a:t>haber</a:t>
+            </a:r>
+            <a:r>
+              <a:rPr lang="en-GB" dirty="0"/>
+              <a:t> </a:t>
+            </a:r>
+            <a:r>
+              <a:rPr lang="en-GB" dirty="0" err="1"/>
+              <a:t>kaynaklarının</a:t>
+            </a:r>
+            <a:r>
+              <a:rPr lang="en-GB" dirty="0"/>
+              <a:t> </a:t>
+            </a:r>
+            <a:r>
+              <a:rPr lang="en-GB" dirty="0" err="1"/>
+              <a:t>belirli</a:t>
+            </a:r>
+            <a:r>
+              <a:rPr lang="en-GB" dirty="0"/>
+              <a:t> </a:t>
+            </a:r>
+            <a:r>
+              <a:rPr lang="en-GB" dirty="0" err="1"/>
+              <a:t>olaylara</a:t>
+            </a:r>
+            <a:r>
+              <a:rPr lang="en-GB" dirty="0"/>
+              <a:t> </a:t>
+            </a:r>
+            <a:r>
+              <a:rPr lang="en-GB" dirty="0" err="1"/>
+              <a:t>karşı</a:t>
+            </a:r>
+            <a:r>
+              <a:rPr lang="en-GB" dirty="0"/>
+              <a:t> </a:t>
+            </a:r>
+            <a:r>
+              <a:rPr lang="en-GB" dirty="0" err="1"/>
+              <a:t>duruşlarını</a:t>
+            </a:r>
+            <a:r>
+              <a:rPr lang="en-GB" dirty="0"/>
+              <a:t> </a:t>
+            </a:r>
+            <a:r>
+              <a:rPr lang="en-GB" dirty="0" err="1"/>
+              <a:t>incelemek</a:t>
+            </a:r>
+            <a:r>
+              <a:rPr lang="en-GB" dirty="0"/>
+              <a:t>.</a:t>
+            </a:r>
+          </a:p>
+          <a:p>
+            <a:pPr>
+              <a:buFont typeface="Arial" panose="020B0604020202020204" pitchFamily="34" charset="0"/>
+              <a:buChar char="•"/>
+            </a:pPr>
+            <a:r>
+              <a:rPr lang="en-GB" b="1" dirty="0" err="1"/>
+              <a:t>Pazarlama</a:t>
+            </a:r>
+            <a:r>
+              <a:rPr lang="en-GB" b="1" dirty="0"/>
+              <a:t> </a:t>
+            </a:r>
+            <a:r>
+              <a:rPr lang="en-GB" b="1" dirty="0" err="1"/>
+              <a:t>ve</a:t>
+            </a:r>
+            <a:r>
+              <a:rPr lang="en-GB" b="1" dirty="0"/>
+              <a:t> </a:t>
+            </a:r>
+            <a:r>
+              <a:rPr lang="en-GB" b="1" dirty="0" err="1"/>
+              <a:t>Müşteri</a:t>
+            </a:r>
+            <a:r>
+              <a:rPr lang="en-GB" b="1" dirty="0"/>
+              <a:t> </a:t>
+            </a:r>
+            <a:r>
+              <a:rPr lang="en-GB" b="1" dirty="0" err="1"/>
+              <a:t>Analizi</a:t>
+            </a:r>
+            <a:r>
+              <a:rPr lang="en-GB" dirty="0"/>
+              <a:t>: </a:t>
+            </a:r>
+            <a:r>
+              <a:rPr lang="en-GB" dirty="0" err="1"/>
+              <a:t>Marka</a:t>
+            </a:r>
+            <a:r>
+              <a:rPr lang="en-GB" dirty="0"/>
+              <a:t> </a:t>
+            </a:r>
+            <a:r>
+              <a:rPr lang="en-GB" dirty="0" err="1"/>
+              <a:t>ve</a:t>
+            </a:r>
+            <a:r>
+              <a:rPr lang="en-GB" dirty="0"/>
+              <a:t> </a:t>
+            </a:r>
+            <a:r>
+              <a:rPr lang="en-GB" dirty="0" err="1"/>
+              <a:t>ürünlerle</a:t>
+            </a:r>
+            <a:r>
+              <a:rPr lang="en-GB" dirty="0"/>
+              <a:t> </a:t>
+            </a:r>
+            <a:r>
+              <a:rPr lang="en-GB" dirty="0" err="1"/>
+              <a:t>ilgili</a:t>
+            </a:r>
+            <a:r>
+              <a:rPr lang="en-GB" dirty="0"/>
+              <a:t> </a:t>
+            </a:r>
+            <a:r>
+              <a:rPr lang="en-GB" dirty="0" err="1"/>
+              <a:t>müşteri</a:t>
+            </a:r>
+            <a:r>
+              <a:rPr lang="en-GB" dirty="0"/>
+              <a:t> </a:t>
+            </a:r>
+            <a:r>
+              <a:rPr lang="en-GB" dirty="0" err="1"/>
+              <a:t>duruşunu</a:t>
+            </a:r>
+            <a:r>
+              <a:rPr lang="en-GB" dirty="0"/>
+              <a:t> </a:t>
+            </a:r>
+            <a:r>
+              <a:rPr lang="en-GB" dirty="0" err="1"/>
+              <a:t>analiz</a:t>
+            </a:r>
+            <a:r>
+              <a:rPr lang="en-GB" dirty="0"/>
+              <a:t> </a:t>
+            </a:r>
+            <a:r>
+              <a:rPr lang="en-GB" dirty="0" err="1"/>
+              <a:t>etmek</a:t>
+            </a:r>
+            <a:r>
+              <a:rPr lang="en-GB" dirty="0"/>
+              <a:t>.</a:t>
+            </a:r>
+          </a:p>
           <a:p>
             <a:endParaRPr lang="en-GB" dirty="0"/>
           </a:p>
@@ -3785,38 +4519,398 @@
         </p:nvSpPr>
         <p:spPr/>
         <p:txBody>
+          <a:bodyPr>
+            <a:normAutofit/>
+          </a:bodyPr>
+          <a:lstStyle/>
+          <a:p>
+            <a:r>
+              <a:rPr lang="en-GB" dirty="0" err="1"/>
+              <a:t>Duygu</a:t>
+            </a:r>
+            <a:r>
+              <a:rPr lang="en-GB" dirty="0"/>
+              <a:t> </a:t>
+            </a:r>
+            <a:r>
+              <a:rPr lang="en-GB" dirty="0" err="1"/>
+              <a:t>Analizi</a:t>
+            </a:r>
+            <a:r>
+              <a:rPr lang="en-GB" dirty="0"/>
+              <a:t> </a:t>
+            </a:r>
+            <a:r>
+              <a:rPr lang="en-GB" dirty="0" err="1"/>
+              <a:t>ve</a:t>
+            </a:r>
+            <a:r>
+              <a:rPr lang="en-GB" dirty="0"/>
+              <a:t> </a:t>
+            </a:r>
+            <a:r>
+              <a:rPr lang="en-GB" dirty="0" err="1"/>
+              <a:t>Duruş</a:t>
+            </a:r>
+            <a:r>
+              <a:rPr lang="en-GB" dirty="0"/>
+              <a:t> </a:t>
+            </a:r>
+            <a:r>
+              <a:rPr lang="en-GB" dirty="0" err="1"/>
+              <a:t>Tespiti</a:t>
+            </a:r>
+            <a:endParaRPr lang="en-GB" dirty="0"/>
+          </a:p>
+        </p:txBody>
+      </p:sp>
+      <p:sp>
+        <p:nvSpPr>
+          <p:cNvPr id="3" name="Content Placeholder 2">
+            <a:extLst>
+              <a:ext uri="{FF2B5EF4-FFF2-40B4-BE49-F238E27FC236}">
+                <a16:creationId xmlns:a16="http://schemas.microsoft.com/office/drawing/2014/main" id="{96CE088B-CFED-D4C6-C665-E8A474DD6075}"/>
+              </a:ext>
+            </a:extLst>
+          </p:cNvPr>
+          <p:cNvSpPr>
+            <a:spLocks noGrp="1"/>
+          </p:cNvSpPr>
+          <p:nvPr>
+            <p:ph idx="1"/>
+          </p:nvPr>
+        </p:nvSpPr>
+        <p:spPr/>
+        <p:txBody>
           <a:bodyPr/>
           <a:lstStyle/>
           <a:p>
             <a:r>
-              <a:rPr lang="en-GB" dirty="0"/>
-              <a:t>Problem</a:t>
-            </a:r>
-          </a:p>
-        </p:txBody>
-      </p:sp>
-      <p:sp>
-        <p:nvSpPr>
-          <p:cNvPr id="3" name="Content Placeholder 2">
-            <a:extLst>
-              <a:ext uri="{FF2B5EF4-FFF2-40B4-BE49-F238E27FC236}">
-                <a16:creationId xmlns:a16="http://schemas.microsoft.com/office/drawing/2014/main" id="{96CE088B-CFED-D4C6-C665-E8A474DD6075}"/>
-              </a:ext>
-            </a:extLst>
-          </p:cNvPr>
-          <p:cNvSpPr>
-            <a:spLocks noGrp="1"/>
-          </p:cNvSpPr>
-          <p:nvPr>
-            <p:ph idx="1"/>
-          </p:nvPr>
-        </p:nvSpPr>
-        <p:spPr/>
-        <p:txBody>
-          <a:bodyPr/>
-          <a:lstStyle/>
-          <a:p>
-            <a:endParaRPr lang="en-GB"/>
+              <a:rPr lang="en-GB" b="1" dirty="0" err="1"/>
+              <a:t>Duruş</a:t>
+            </a:r>
+            <a:r>
+              <a:rPr lang="en-GB" b="1" dirty="0"/>
+              <a:t> (Stance)</a:t>
+            </a:r>
+            <a:endParaRPr lang="en-GB" dirty="0"/>
+          </a:p>
+          <a:p>
+            <a:pPr lvl="1"/>
+            <a:r>
+              <a:rPr lang="en-GB" dirty="0"/>
+              <a:t>Bir </a:t>
+            </a:r>
+            <a:r>
+              <a:rPr lang="en-GB" dirty="0" err="1"/>
+              <a:t>metnin</a:t>
+            </a:r>
+            <a:r>
+              <a:rPr lang="en-GB" dirty="0"/>
+              <a:t> </a:t>
+            </a:r>
+            <a:r>
+              <a:rPr lang="en-GB" dirty="0" err="1"/>
+              <a:t>belirli</a:t>
+            </a:r>
+            <a:r>
+              <a:rPr lang="en-GB" dirty="0"/>
+              <a:t> </a:t>
+            </a:r>
+            <a:r>
+              <a:rPr lang="en-GB" dirty="0" err="1"/>
+              <a:t>bir</a:t>
+            </a:r>
+            <a:r>
+              <a:rPr lang="en-GB" dirty="0"/>
+              <a:t> </a:t>
+            </a:r>
+            <a:r>
+              <a:rPr lang="en-GB" dirty="0" err="1"/>
+              <a:t>konuya</a:t>
+            </a:r>
+            <a:r>
+              <a:rPr lang="en-GB" dirty="0"/>
+              <a:t> </a:t>
+            </a:r>
+            <a:r>
+              <a:rPr lang="en-GB" dirty="0" err="1"/>
+              <a:t>veya</a:t>
+            </a:r>
+            <a:r>
+              <a:rPr lang="en-GB" dirty="0"/>
+              <a:t> </a:t>
+            </a:r>
+            <a:r>
+              <a:rPr lang="en-GB" dirty="0" err="1"/>
+              <a:t>argümana</a:t>
+            </a:r>
+            <a:r>
+              <a:rPr lang="en-GB" dirty="0"/>
+              <a:t> </a:t>
+            </a:r>
+            <a:r>
+              <a:rPr lang="en-GB" dirty="0" err="1"/>
+              <a:t>karşı</a:t>
+            </a:r>
+            <a:r>
+              <a:rPr lang="en-GB" dirty="0"/>
+              <a:t> </a:t>
+            </a:r>
+            <a:r>
+              <a:rPr lang="en-GB" dirty="0" err="1"/>
+              <a:t>pozisyonu</a:t>
+            </a:r>
+            <a:r>
+              <a:rPr lang="en-GB" dirty="0"/>
+              <a:t>.</a:t>
+            </a:r>
+          </a:p>
+          <a:p>
+            <a:pPr lvl="1"/>
+            <a:r>
+              <a:rPr lang="en-GB" dirty="0" err="1"/>
+              <a:t>Örneğin</a:t>
+            </a:r>
+            <a:r>
+              <a:rPr lang="en-GB" dirty="0"/>
+              <a:t>: "Bu </a:t>
+            </a:r>
+            <a:r>
+              <a:rPr lang="en-GB" dirty="0" err="1"/>
+              <a:t>yasa</a:t>
+            </a:r>
+            <a:r>
+              <a:rPr lang="en-GB" dirty="0"/>
+              <a:t> </a:t>
+            </a:r>
+            <a:r>
+              <a:rPr lang="en-GB" dirty="0" err="1"/>
+              <a:t>tasarısı</a:t>
+            </a:r>
+            <a:r>
+              <a:rPr lang="en-GB" dirty="0"/>
+              <a:t> </a:t>
+            </a:r>
+            <a:r>
+              <a:rPr lang="en-GB" dirty="0" err="1"/>
+              <a:t>çevreye</a:t>
+            </a:r>
+            <a:r>
+              <a:rPr lang="en-GB" dirty="0"/>
+              <a:t> </a:t>
+            </a:r>
+            <a:r>
+              <a:rPr lang="en-GB" dirty="0" err="1"/>
+              <a:t>zarar</a:t>
+            </a:r>
+            <a:r>
+              <a:rPr lang="en-GB" dirty="0"/>
+              <a:t> </a:t>
+            </a:r>
+            <a:r>
+              <a:rPr lang="en-GB" dirty="0" err="1"/>
+              <a:t>verecek</a:t>
+            </a:r>
+            <a:r>
+              <a:rPr lang="en-GB" dirty="0"/>
+              <a:t>." (</a:t>
+            </a:r>
+            <a:r>
+              <a:rPr lang="en-GB" dirty="0" err="1"/>
+              <a:t>Karşıt</a:t>
+            </a:r>
+            <a:r>
+              <a:rPr lang="en-GB" dirty="0"/>
+              <a:t> </a:t>
+            </a:r>
+            <a:r>
+              <a:rPr lang="en-GB" dirty="0" err="1"/>
+              <a:t>Duruş</a:t>
+            </a:r>
+            <a:r>
+              <a:rPr lang="en-GB" dirty="0"/>
+              <a:t>)</a:t>
+            </a:r>
+          </a:p>
+          <a:p>
+            <a:pPr>
+              <a:buFont typeface="Arial" panose="020B0604020202020204" pitchFamily="34" charset="0"/>
+              <a:buChar char="•"/>
+            </a:pPr>
+            <a:r>
+              <a:rPr lang="en-GB" b="1" dirty="0" err="1"/>
+              <a:t>Duygu</a:t>
+            </a:r>
+            <a:r>
+              <a:rPr lang="en-GB" b="1" dirty="0"/>
+              <a:t> </a:t>
+            </a:r>
+            <a:r>
+              <a:rPr lang="en-GB" b="1" dirty="0" err="1"/>
+              <a:t>Analizi</a:t>
+            </a:r>
+            <a:r>
+              <a:rPr lang="en-GB" b="1" dirty="0"/>
+              <a:t> </a:t>
+            </a:r>
+            <a:r>
+              <a:rPr lang="en-GB" dirty="0"/>
+              <a:t>: </a:t>
+            </a:r>
+            <a:r>
+              <a:rPr lang="en-GB" dirty="0" err="1"/>
+              <a:t>Metnin</a:t>
+            </a:r>
+            <a:r>
+              <a:rPr lang="en-GB" dirty="0"/>
+              <a:t> </a:t>
+            </a:r>
+            <a:r>
+              <a:rPr lang="en-GB" dirty="0" err="1"/>
+              <a:t>genel</a:t>
+            </a:r>
+            <a:r>
+              <a:rPr lang="en-GB" dirty="0"/>
+              <a:t> </a:t>
+            </a:r>
+            <a:r>
+              <a:rPr lang="en-GB" dirty="0" err="1"/>
+              <a:t>duygu</a:t>
+            </a:r>
+            <a:r>
+              <a:rPr lang="en-GB" dirty="0"/>
+              <a:t> </a:t>
+            </a:r>
+            <a:r>
+              <a:rPr lang="en-GB" dirty="0" err="1"/>
+              <a:t>durumunu</a:t>
+            </a:r>
+            <a:r>
+              <a:rPr lang="en-GB" dirty="0"/>
+              <a:t> (</a:t>
+            </a:r>
+            <a:r>
+              <a:rPr lang="en-GB" dirty="0" err="1"/>
+              <a:t>olumlu</a:t>
+            </a:r>
+            <a:r>
+              <a:rPr lang="en-GB" dirty="0"/>
+              <a:t>, </a:t>
+            </a:r>
+            <a:r>
+              <a:rPr lang="en-GB" dirty="0" err="1"/>
+              <a:t>olumsuz</a:t>
+            </a:r>
+            <a:r>
+              <a:rPr lang="en-GB" dirty="0"/>
+              <a:t>, </a:t>
+            </a:r>
+            <a:r>
+              <a:rPr lang="en-GB" dirty="0" err="1"/>
+              <a:t>tarafsız</a:t>
+            </a:r>
+            <a:r>
+              <a:rPr lang="en-GB" dirty="0"/>
+              <a:t>) </a:t>
+            </a:r>
+            <a:r>
+              <a:rPr lang="en-GB" dirty="0" err="1"/>
+              <a:t>belirler</a:t>
+            </a:r>
+            <a:r>
+              <a:rPr lang="en-GB" dirty="0"/>
+              <a:t>.</a:t>
+            </a:r>
+          </a:p>
+          <a:p>
+            <a:pPr>
+              <a:buFont typeface="Arial" panose="020B0604020202020204" pitchFamily="34" charset="0"/>
+              <a:buChar char="•"/>
+            </a:pPr>
+            <a:r>
+              <a:rPr lang="en-GB" b="1" dirty="0" err="1"/>
+              <a:t>Duruş</a:t>
+            </a:r>
+            <a:r>
+              <a:rPr lang="en-GB" b="1" dirty="0"/>
+              <a:t> </a:t>
+            </a:r>
+            <a:r>
+              <a:rPr lang="en-GB" b="1" dirty="0" err="1"/>
+              <a:t>Tespiti</a:t>
+            </a:r>
+            <a:r>
+              <a:rPr lang="en-GB" dirty="0"/>
+              <a:t>: </a:t>
+            </a:r>
+            <a:r>
+              <a:rPr lang="en-GB" dirty="0" err="1"/>
+              <a:t>Belirli</a:t>
+            </a:r>
+            <a:r>
+              <a:rPr lang="en-GB" dirty="0"/>
+              <a:t> </a:t>
+            </a:r>
+            <a:r>
+              <a:rPr lang="en-GB" dirty="0" err="1"/>
+              <a:t>bir</a:t>
+            </a:r>
+            <a:r>
+              <a:rPr lang="en-GB" dirty="0"/>
+              <a:t> </a:t>
+            </a:r>
+            <a:r>
+              <a:rPr lang="en-GB" dirty="0" err="1"/>
+              <a:t>konuya</a:t>
+            </a:r>
+            <a:r>
+              <a:rPr lang="en-GB" dirty="0"/>
+              <a:t> </a:t>
+            </a:r>
+            <a:r>
+              <a:rPr lang="en-GB" dirty="0" err="1"/>
+              <a:t>karşı</a:t>
+            </a:r>
+            <a:r>
+              <a:rPr lang="en-GB" dirty="0"/>
+              <a:t> </a:t>
+            </a:r>
+            <a:r>
+              <a:rPr lang="en-GB" dirty="0" err="1"/>
+              <a:t>olan</a:t>
+            </a:r>
+            <a:r>
+              <a:rPr lang="en-GB" dirty="0"/>
+              <a:t> </a:t>
+            </a:r>
+            <a:r>
+              <a:rPr lang="en-GB" dirty="0" err="1"/>
+              <a:t>spesifik</a:t>
+            </a:r>
+            <a:r>
+              <a:rPr lang="en-GB" dirty="0"/>
+              <a:t> </a:t>
+            </a:r>
+            <a:r>
+              <a:rPr lang="en-GB" dirty="0" err="1"/>
+              <a:t>duruşu</a:t>
+            </a:r>
+            <a:r>
+              <a:rPr lang="en-GB" dirty="0"/>
+              <a:t> </a:t>
+            </a:r>
+            <a:r>
+              <a:rPr lang="en-GB" dirty="0" err="1"/>
+              <a:t>belirler</a:t>
+            </a:r>
+            <a:r>
+              <a:rPr lang="en-GB" dirty="0"/>
+              <a:t>.</a:t>
+            </a:r>
+          </a:p>
+          <a:p>
+            <a:endParaRPr lang="en-GB" dirty="0"/>
           </a:p>
         </p:txBody>
       </p:sp>
@@ -3836,6 +4930,14 @@
 <file path=ppt/slides/slide6.xml><?xml version="1.0" encoding="utf-8"?>
 <p:sld xmlns:a="http://schemas.openxmlformats.org/drawingml/2006/main" xmlns:r="http://schemas.openxmlformats.org/officeDocument/2006/relationships" xmlns:p="http://schemas.openxmlformats.org/presentationml/2006/main">
   <p:cSld>
+    <p:bg>
+      <p:bgPr>
+        <a:solidFill>
+          <a:schemeClr val="bg1"/>
+        </a:solidFill>
+        <a:effectLst/>
+      </p:bgPr>
+    </p:bg>
     <p:spTree>
       <p:nvGrpSpPr>
         <p:cNvPr id="1" name=""/>
@@ -3850,12 +4952,72 @@
           <a:chExt cx="0" cy="0"/>
         </a:xfrm>
       </p:grpSpPr>
+      <p:sp useBgFill="1">
+        <p:nvSpPr>
+          <p:cNvPr id="11" name="Rectangle 10">
+            <a:extLst>
+              <a:ext uri="{FF2B5EF4-FFF2-40B4-BE49-F238E27FC236}">
+                <a16:creationId xmlns:a16="http://schemas.microsoft.com/office/drawing/2014/main" id="{A8908DB7-C3A6-4FCB-9820-CEE02B398C4A}"/>
+              </a:ext>
+              <a:ext uri="{C183D7F6-B498-43B3-948B-1728B52AA6E4}">
+                <adec:decorative xmlns:adec="http://schemas.microsoft.com/office/drawing/2017/decorative" val="1"/>
+              </a:ext>
+            </a:extLst>
+          </p:cNvPr>
+          <p:cNvSpPr>
+            <a:spLocks noGrp="1" noRot="1" noChangeAspect="1" noMove="1" noResize="1" noEditPoints="1" noAdjustHandles="1" noChangeArrowheads="1" noChangeShapeType="1" noTextEdit="1"/>
+          </p:cNvSpPr>
+          <p:nvPr>
+            <p:extLst>
+              <p:ext uri="{386F3935-93C4-4BCD-93E2-E3B085C9AB24}">
+                <p16:designElem xmlns:p16="http://schemas.microsoft.com/office/powerpoint/2015/main" val="1"/>
+              </p:ext>
+            </p:extLst>
+          </p:nvPr>
+        </p:nvSpPr>
+        <p:spPr>
+          <a:xfrm>
+            <a:off x="0" y="0"/>
+            <a:ext cx="12192000" cy="6858000"/>
+          </a:xfrm>
+          <a:prstGeom prst="rect">
+            <a:avLst/>
+          </a:prstGeom>
+          <a:ln>
+            <a:noFill/>
+          </a:ln>
+        </p:spPr>
+        <p:style>
+          <a:lnRef idx="2">
+            <a:schemeClr val="accent1">
+              <a:shade val="50000"/>
+            </a:schemeClr>
+          </a:lnRef>
+          <a:fillRef idx="1">
+            <a:schemeClr val="accent1"/>
+          </a:fillRef>
+          <a:effectRef idx="0">
+            <a:schemeClr val="accent1"/>
+          </a:effectRef>
+          <a:fontRef idx="minor">
+            <a:schemeClr val="lt1"/>
+          </a:fontRef>
+        </p:style>
+        <p:txBody>
+          <a:bodyPr rtlCol="0" anchor="ctr"/>
+          <a:lstStyle/>
+          <a:p>
+            <a:pPr algn="ctr"/>
+            <a:endParaRPr lang="en-US"/>
+          </a:p>
+        </p:txBody>
+      </p:sp>
       <p:sp>
         <p:nvSpPr>
           <p:cNvPr id="2" name="Title 1">
             <a:extLst>
               <a:ext uri="{FF2B5EF4-FFF2-40B4-BE49-F238E27FC236}">
-                <a16:creationId xmlns:a16="http://schemas.microsoft.com/office/drawing/2014/main" id="{E3CC0CA6-B457-8834-62DF-92BBD16061E9}"/>
+                <a16:creationId xmlns:a16="http://schemas.microsoft.com/office/drawing/2014/main" id="{122C5BCA-2CD9-EC06-2127-B9B9060E1561}"/>
               </a:ext>
             </a:extLst>
           </p:cNvPr>
@@ -3866,51 +5028,444 @@
             <p:ph type="title"/>
           </p:nvPr>
         </p:nvSpPr>
-        <p:spPr/>
-        <p:txBody>
-          <a:bodyPr/>
-          <a:lstStyle/>
-          <a:p>
-            <a:r>
-              <a:rPr lang="en-GB" dirty="0" err="1"/>
-              <a:t>Önerilen</a:t>
-            </a:r>
-            <a:r>
-              <a:rPr lang="en-GB"/>
-              <a:t> Model</a:t>
-            </a:r>
-          </a:p>
-        </p:txBody>
-      </p:sp>
-      <p:sp>
-        <p:nvSpPr>
-          <p:cNvPr id="3" name="Content Placeholder 2">
-            <a:extLst>
-              <a:ext uri="{FF2B5EF4-FFF2-40B4-BE49-F238E27FC236}">
-                <a16:creationId xmlns:a16="http://schemas.microsoft.com/office/drawing/2014/main" id="{7D5D0A65-D7D2-7E2F-9333-CD1B8BCE8D2D}"/>
-              </a:ext>
-            </a:extLst>
-          </p:cNvPr>
-          <p:cNvSpPr>
-            <a:spLocks noGrp="1"/>
-          </p:cNvSpPr>
-          <p:nvPr>
-            <p:ph idx="1"/>
-          </p:nvPr>
-        </p:nvSpPr>
-        <p:spPr/>
-        <p:txBody>
-          <a:bodyPr/>
-          <a:lstStyle/>
-          <a:p>
-            <a:endParaRPr lang="en-GB"/>
-          </a:p>
-        </p:txBody>
-      </p:sp>
+        <p:spPr>
+          <a:xfrm>
+            <a:off x="630936" y="640823"/>
+            <a:ext cx="3419856" cy="5583148"/>
+          </a:xfrm>
+        </p:spPr>
+        <p:txBody>
+          <a:bodyPr anchor="ctr">
+            <a:normAutofit/>
+          </a:bodyPr>
+          <a:lstStyle/>
+          <a:p>
+            <a:r>
+              <a:rPr lang="en-GB" sz="5400"/>
+              <a:t>Duruş Tespiti ve Diğer Alanlarla Olan İlişkisi</a:t>
+            </a:r>
+          </a:p>
+        </p:txBody>
+      </p:sp>
+      <p:sp>
+        <p:nvSpPr>
+          <p:cNvPr id="13" name="sketch line">
+            <a:extLst>
+              <a:ext uri="{FF2B5EF4-FFF2-40B4-BE49-F238E27FC236}">
+                <a16:creationId xmlns:a16="http://schemas.microsoft.com/office/drawing/2014/main" id="{535742DD-1B16-4E9D-B715-0D74B4574A68}"/>
+              </a:ext>
+              <a:ext uri="{C183D7F6-B498-43B3-948B-1728B52AA6E4}">
+                <adec:decorative xmlns:adec="http://schemas.microsoft.com/office/drawing/2017/decorative" val="1"/>
+              </a:ext>
+            </a:extLst>
+          </p:cNvPr>
+          <p:cNvSpPr>
+            <a:spLocks noGrp="1" noRot="1" noChangeAspect="1" noMove="1" noResize="1" noEditPoints="1" noAdjustHandles="1" noChangeArrowheads="1" noChangeShapeType="1" noTextEdit="1"/>
+          </p:cNvSpPr>
+          <p:nvPr>
+            <p:extLst>
+              <p:ext uri="{386F3935-93C4-4BCD-93E2-E3B085C9AB24}">
+                <p16:designElem xmlns:p16="http://schemas.microsoft.com/office/powerpoint/2015/main" val="1"/>
+              </p:ext>
+            </p:extLst>
+          </p:nvPr>
+        </p:nvSpPr>
+        <p:spPr>
+          <a:xfrm flipH="1">
+            <a:off x="4267200" y="630936"/>
+            <a:ext cx="18288" cy="5590381"/>
+          </a:xfrm>
+          <a:custGeom>
+            <a:avLst/>
+            <a:gdLst>
+              <a:gd name="connsiteX0" fmla="*/ 0 w 18288"/>
+              <a:gd name="connsiteY0" fmla="*/ 0 h 5590381"/>
+              <a:gd name="connsiteX1" fmla="*/ 18288 w 18288"/>
+              <a:gd name="connsiteY1" fmla="*/ 0 h 5590381"/>
+              <a:gd name="connsiteX2" fmla="*/ 18288 w 18288"/>
+              <a:gd name="connsiteY2" fmla="*/ 754701 h 5590381"/>
+              <a:gd name="connsiteX3" fmla="*/ 18288 w 18288"/>
+              <a:gd name="connsiteY3" fmla="*/ 1565307 h 5590381"/>
+              <a:gd name="connsiteX4" fmla="*/ 18288 w 18288"/>
+              <a:gd name="connsiteY4" fmla="*/ 2152297 h 5590381"/>
+              <a:gd name="connsiteX5" fmla="*/ 18288 w 18288"/>
+              <a:gd name="connsiteY5" fmla="*/ 2906998 h 5590381"/>
+              <a:gd name="connsiteX6" fmla="*/ 18288 w 18288"/>
+              <a:gd name="connsiteY6" fmla="*/ 3549892 h 5590381"/>
+              <a:gd name="connsiteX7" fmla="*/ 18288 w 18288"/>
+              <a:gd name="connsiteY7" fmla="*/ 4080978 h 5590381"/>
+              <a:gd name="connsiteX8" fmla="*/ 18288 w 18288"/>
+              <a:gd name="connsiteY8" fmla="*/ 4835680 h 5590381"/>
+              <a:gd name="connsiteX9" fmla="*/ 18288 w 18288"/>
+              <a:gd name="connsiteY9" fmla="*/ 5590381 h 5590381"/>
+              <a:gd name="connsiteX10" fmla="*/ 0 w 18288"/>
+              <a:gd name="connsiteY10" fmla="*/ 5590381 h 5590381"/>
+              <a:gd name="connsiteX11" fmla="*/ 0 w 18288"/>
+              <a:gd name="connsiteY11" fmla="*/ 4835680 h 5590381"/>
+              <a:gd name="connsiteX12" fmla="*/ 0 w 18288"/>
+              <a:gd name="connsiteY12" fmla="*/ 4304593 h 5590381"/>
+              <a:gd name="connsiteX13" fmla="*/ 0 w 18288"/>
+              <a:gd name="connsiteY13" fmla="*/ 3773507 h 5590381"/>
+              <a:gd name="connsiteX14" fmla="*/ 0 w 18288"/>
+              <a:gd name="connsiteY14" fmla="*/ 3186517 h 5590381"/>
+              <a:gd name="connsiteX15" fmla="*/ 0 w 18288"/>
+              <a:gd name="connsiteY15" fmla="*/ 2487720 h 5590381"/>
+              <a:gd name="connsiteX16" fmla="*/ 0 w 18288"/>
+              <a:gd name="connsiteY16" fmla="*/ 1956633 h 5590381"/>
+              <a:gd name="connsiteX17" fmla="*/ 0 w 18288"/>
+              <a:gd name="connsiteY17" fmla="*/ 1425547 h 5590381"/>
+              <a:gd name="connsiteX18" fmla="*/ 0 w 18288"/>
+              <a:gd name="connsiteY18" fmla="*/ 614942 h 5590381"/>
+              <a:gd name="connsiteX19" fmla="*/ 0 w 18288"/>
+              <a:gd name="connsiteY19" fmla="*/ 0 h 5590381"/>
+            </a:gdLst>
+            <a:ahLst/>
+            <a:cxnLst>
+              <a:cxn ang="0">
+                <a:pos x="connsiteX0" y="connsiteY0"/>
+              </a:cxn>
+              <a:cxn ang="0">
+                <a:pos x="connsiteX1" y="connsiteY1"/>
+              </a:cxn>
+              <a:cxn ang="0">
+                <a:pos x="connsiteX2" y="connsiteY2"/>
+              </a:cxn>
+              <a:cxn ang="0">
+                <a:pos x="connsiteX3" y="connsiteY3"/>
+              </a:cxn>
+              <a:cxn ang="0">
+                <a:pos x="connsiteX4" y="connsiteY4"/>
+              </a:cxn>
+              <a:cxn ang="0">
+                <a:pos x="connsiteX5" y="connsiteY5"/>
+              </a:cxn>
+              <a:cxn ang="0">
+                <a:pos x="connsiteX6" y="connsiteY6"/>
+              </a:cxn>
+              <a:cxn ang="0">
+                <a:pos x="connsiteX7" y="connsiteY7"/>
+              </a:cxn>
+              <a:cxn ang="0">
+                <a:pos x="connsiteX8" y="connsiteY8"/>
+              </a:cxn>
+              <a:cxn ang="0">
+                <a:pos x="connsiteX9" y="connsiteY9"/>
+              </a:cxn>
+              <a:cxn ang="0">
+                <a:pos x="connsiteX10" y="connsiteY10"/>
+              </a:cxn>
+              <a:cxn ang="0">
+                <a:pos x="connsiteX11" y="connsiteY11"/>
+              </a:cxn>
+              <a:cxn ang="0">
+                <a:pos x="connsiteX12" y="connsiteY12"/>
+              </a:cxn>
+              <a:cxn ang="0">
+                <a:pos x="connsiteX13" y="connsiteY13"/>
+              </a:cxn>
+              <a:cxn ang="0">
+                <a:pos x="connsiteX14" y="connsiteY14"/>
+              </a:cxn>
+              <a:cxn ang="0">
+                <a:pos x="connsiteX15" y="connsiteY15"/>
+              </a:cxn>
+              <a:cxn ang="0">
+                <a:pos x="connsiteX16" y="connsiteY16"/>
+              </a:cxn>
+              <a:cxn ang="0">
+                <a:pos x="connsiteX17" y="connsiteY17"/>
+              </a:cxn>
+              <a:cxn ang="0">
+                <a:pos x="connsiteX18" y="connsiteY18"/>
+              </a:cxn>
+              <a:cxn ang="0">
+                <a:pos x="connsiteX19" y="connsiteY19"/>
+              </a:cxn>
+            </a:cxnLst>
+            <a:rect l="l" t="t" r="r" b="b"/>
+            <a:pathLst>
+              <a:path w="18288" h="5590381" fill="none" extrusionOk="0">
+                <a:moveTo>
+                  <a:pt x="0" y="0"/>
+                </a:moveTo>
+                <a:cubicBezTo>
+                  <a:pt x="7726" y="-435"/>
+                  <a:pt x="14198" y="437"/>
+                  <a:pt x="18288" y="0"/>
+                </a:cubicBezTo>
+                <a:cubicBezTo>
+                  <a:pt x="-5226" y="225076"/>
+                  <a:pt x="46275" y="562283"/>
+                  <a:pt x="18288" y="754701"/>
+                </a:cubicBezTo>
+                <a:cubicBezTo>
+                  <a:pt x="-9699" y="947119"/>
+                  <a:pt x="30081" y="1239251"/>
+                  <a:pt x="18288" y="1565307"/>
+                </a:cubicBezTo>
+                <a:cubicBezTo>
+                  <a:pt x="6495" y="1891363"/>
+                  <a:pt x="7160" y="1999140"/>
+                  <a:pt x="18288" y="2152297"/>
+                </a:cubicBezTo>
+                <a:cubicBezTo>
+                  <a:pt x="29417" y="2305454"/>
+                  <a:pt x="28705" y="2598333"/>
+                  <a:pt x="18288" y="2906998"/>
+                </a:cubicBezTo>
+                <a:cubicBezTo>
+                  <a:pt x="7871" y="3215663"/>
+                  <a:pt x="35263" y="3327412"/>
+                  <a:pt x="18288" y="3549892"/>
+                </a:cubicBezTo>
+                <a:cubicBezTo>
+                  <a:pt x="1313" y="3772372"/>
+                  <a:pt x="38561" y="3843836"/>
+                  <a:pt x="18288" y="4080978"/>
+                </a:cubicBezTo>
+                <a:cubicBezTo>
+                  <a:pt x="-1985" y="4318120"/>
+                  <a:pt x="-3806" y="4511166"/>
+                  <a:pt x="18288" y="4835680"/>
+                </a:cubicBezTo>
+                <a:cubicBezTo>
+                  <a:pt x="40382" y="5160194"/>
+                  <a:pt x="-13070" y="5401748"/>
+                  <a:pt x="18288" y="5590381"/>
+                </a:cubicBezTo>
+                <a:cubicBezTo>
+                  <a:pt x="12010" y="5589863"/>
+                  <a:pt x="6799" y="5589982"/>
+                  <a:pt x="0" y="5590381"/>
+                </a:cubicBezTo>
+                <a:cubicBezTo>
+                  <a:pt x="-6480" y="5250523"/>
+                  <a:pt x="-32148" y="5052531"/>
+                  <a:pt x="0" y="4835680"/>
+                </a:cubicBezTo>
+                <a:cubicBezTo>
+                  <a:pt x="32148" y="4618829"/>
+                  <a:pt x="5352" y="4496374"/>
+                  <a:pt x="0" y="4304593"/>
+                </a:cubicBezTo>
+                <a:cubicBezTo>
+                  <a:pt x="-5352" y="4112812"/>
+                  <a:pt x="9645" y="3919423"/>
+                  <a:pt x="0" y="3773507"/>
+                </a:cubicBezTo>
+                <a:cubicBezTo>
+                  <a:pt x="-9645" y="3627591"/>
+                  <a:pt x="-10654" y="3330687"/>
+                  <a:pt x="0" y="3186517"/>
+                </a:cubicBezTo>
+                <a:cubicBezTo>
+                  <a:pt x="10654" y="3042347"/>
+                  <a:pt x="18181" y="2635923"/>
+                  <a:pt x="0" y="2487720"/>
+                </a:cubicBezTo>
+                <a:cubicBezTo>
+                  <a:pt x="-18181" y="2339517"/>
+                  <a:pt x="-7947" y="2113537"/>
+                  <a:pt x="0" y="1956633"/>
+                </a:cubicBezTo>
+                <a:cubicBezTo>
+                  <a:pt x="7947" y="1799729"/>
+                  <a:pt x="-15145" y="1657735"/>
+                  <a:pt x="0" y="1425547"/>
+                </a:cubicBezTo>
+                <a:cubicBezTo>
+                  <a:pt x="15145" y="1193359"/>
+                  <a:pt x="-23832" y="948054"/>
+                  <a:pt x="0" y="614942"/>
+                </a:cubicBezTo>
+                <a:cubicBezTo>
+                  <a:pt x="23832" y="281831"/>
+                  <a:pt x="2816" y="129878"/>
+                  <a:pt x="0" y="0"/>
+                </a:cubicBezTo>
+                <a:close/>
+              </a:path>
+              <a:path w="18288" h="5590381" stroke="0" extrusionOk="0">
+                <a:moveTo>
+                  <a:pt x="0" y="0"/>
+                </a:moveTo>
+                <a:cubicBezTo>
+                  <a:pt x="5871" y="848"/>
+                  <a:pt x="11713" y="-200"/>
+                  <a:pt x="18288" y="0"/>
+                </a:cubicBezTo>
+                <a:cubicBezTo>
+                  <a:pt x="41141" y="165299"/>
+                  <a:pt x="3613" y="427555"/>
+                  <a:pt x="18288" y="698798"/>
+                </a:cubicBezTo>
+                <a:cubicBezTo>
+                  <a:pt x="32963" y="970041"/>
+                  <a:pt x="19680" y="1226199"/>
+                  <a:pt x="18288" y="1397595"/>
+                </a:cubicBezTo>
+                <a:cubicBezTo>
+                  <a:pt x="16896" y="1568991"/>
+                  <a:pt x="38798" y="1794517"/>
+                  <a:pt x="18288" y="2152297"/>
+                </a:cubicBezTo>
+                <a:cubicBezTo>
+                  <a:pt x="-2222" y="2510077"/>
+                  <a:pt x="40846" y="2594424"/>
+                  <a:pt x="18288" y="2739287"/>
+                </a:cubicBezTo>
+                <a:cubicBezTo>
+                  <a:pt x="-4270" y="2884150"/>
+                  <a:pt x="27117" y="3129706"/>
+                  <a:pt x="18288" y="3493988"/>
+                </a:cubicBezTo>
+                <a:cubicBezTo>
+                  <a:pt x="9459" y="3858270"/>
+                  <a:pt x="54201" y="4041447"/>
+                  <a:pt x="18288" y="4304593"/>
+                </a:cubicBezTo>
+                <a:cubicBezTo>
+                  <a:pt x="-17625" y="4567740"/>
+                  <a:pt x="49627" y="5149125"/>
+                  <a:pt x="18288" y="5590381"/>
+                </a:cubicBezTo>
+                <a:cubicBezTo>
+                  <a:pt x="10860" y="5590744"/>
+                  <a:pt x="7568" y="5590157"/>
+                  <a:pt x="0" y="5590381"/>
+                </a:cubicBezTo>
+                <a:cubicBezTo>
+                  <a:pt x="36767" y="5266821"/>
+                  <a:pt x="-16223" y="5116146"/>
+                  <a:pt x="0" y="4835680"/>
+                </a:cubicBezTo>
+                <a:cubicBezTo>
+                  <a:pt x="16223" y="4555214"/>
+                  <a:pt x="-16316" y="4356490"/>
+                  <a:pt x="0" y="4136882"/>
+                </a:cubicBezTo>
+                <a:cubicBezTo>
+                  <a:pt x="16316" y="3917274"/>
+                  <a:pt x="8005" y="3773465"/>
+                  <a:pt x="0" y="3549892"/>
+                </a:cubicBezTo>
+                <a:cubicBezTo>
+                  <a:pt x="-8005" y="3326319"/>
+                  <a:pt x="27623" y="3052456"/>
+                  <a:pt x="0" y="2851094"/>
+                </a:cubicBezTo>
+                <a:cubicBezTo>
+                  <a:pt x="-27623" y="2649732"/>
+                  <a:pt x="5614" y="2455815"/>
+                  <a:pt x="0" y="2264104"/>
+                </a:cubicBezTo>
+                <a:cubicBezTo>
+                  <a:pt x="-5614" y="2072393"/>
+                  <a:pt x="22598" y="1990723"/>
+                  <a:pt x="0" y="1733018"/>
+                </a:cubicBezTo>
+                <a:cubicBezTo>
+                  <a:pt x="-22598" y="1475313"/>
+                  <a:pt x="-6965" y="1369123"/>
+                  <a:pt x="0" y="1090124"/>
+                </a:cubicBezTo>
+                <a:cubicBezTo>
+                  <a:pt x="6965" y="811125"/>
+                  <a:pt x="-19273" y="507044"/>
+                  <a:pt x="0" y="0"/>
+                </a:cubicBezTo>
+                <a:close/>
+              </a:path>
+            </a:pathLst>
+          </a:custGeom>
+          <a:solidFill>
+            <a:schemeClr val="accent2"/>
+          </a:solidFill>
+          <a:ln w="41275" cap="rnd">
+            <a:solidFill>
+              <a:schemeClr val="accent2"/>
+            </a:solidFill>
+            <a:round/>
+            <a:extLst>
+              <a:ext uri="{C807C97D-BFC1-408E-A445-0C87EB9F89A2}">
+                <ask:lineSketchStyleProps xmlns:ask="http://schemas.microsoft.com/office/drawing/2018/sketchyshapes" sd="3114097614">
+                  <a:prstGeom prst="rect">
+                    <a:avLst/>
+                  </a:prstGeom>
+                  <ask:type>
+                    <ask:lineSketchFreehand/>
+                  </ask:type>
+                </ask:lineSketchStyleProps>
+              </a:ext>
+            </a:extLst>
+          </a:ln>
+        </p:spPr>
+        <p:style>
+          <a:lnRef idx="2">
+            <a:schemeClr val="accent1">
+              <a:shade val="50000"/>
+            </a:schemeClr>
+          </a:lnRef>
+          <a:fillRef idx="1">
+            <a:schemeClr val="accent1"/>
+          </a:fillRef>
+          <a:effectRef idx="0">
+            <a:schemeClr val="accent1"/>
+          </a:effectRef>
+          <a:fontRef idx="minor">
+            <a:schemeClr val="lt1"/>
+          </a:fontRef>
+        </p:style>
+        <p:txBody>
+          <a:bodyPr rtlCol="0" anchor="ctr"/>
+          <a:lstStyle/>
+          <a:p>
+            <a:pPr algn="ctr"/>
+            <a:endParaRPr lang="en-US"/>
+          </a:p>
+        </p:txBody>
+      </p:sp>
+      <p:pic>
+        <p:nvPicPr>
+          <p:cNvPr id="4" name="Content Placeholder 3" descr="A diagram of a company&#10;&#10;Description automatically generated">
+            <a:extLst>
+              <a:ext uri="{FF2B5EF4-FFF2-40B4-BE49-F238E27FC236}">
+                <a16:creationId xmlns:a16="http://schemas.microsoft.com/office/drawing/2014/main" id="{2442AD94-522E-030D-072C-1E0CFF16DFDF}"/>
+              </a:ext>
+            </a:extLst>
+          </p:cNvPr>
+          <p:cNvPicPr>
+            <a:picLocks noChangeAspect="1"/>
+          </p:cNvPicPr>
+          <p:nvPr/>
+        </p:nvPicPr>
+        <p:blipFill>
+          <a:blip r:embed="rId2">
+            <a:extLst>
+              <a:ext uri="{28A0092B-C50C-407E-A947-70E740481C1C}">
+                <a14:useLocalDpi xmlns:a14="http://schemas.microsoft.com/office/drawing/2010/main" val="0"/>
+              </a:ext>
+            </a:extLst>
+          </a:blip>
+          <a:stretch>
+            <a:fillRect/>
+          </a:stretch>
+        </p:blipFill>
+        <p:spPr bwMode="auto">
+          <a:xfrm>
+            <a:off x="4654296" y="630936"/>
+            <a:ext cx="7420870" cy="4823566"/>
+          </a:xfrm>
+          <a:prstGeom prst="rect">
+            <a:avLst/>
+          </a:prstGeom>
+          <a:noFill/>
+        </p:spPr>
+      </p:pic>
     </p:spTree>
     <p:extLst>
       <p:ext uri="{BB962C8B-B14F-4D97-AF65-F5344CB8AC3E}">
-        <p14:creationId xmlns:p14="http://schemas.microsoft.com/office/powerpoint/2010/main" val="3851241837"/>
+        <p14:creationId xmlns:p14="http://schemas.microsoft.com/office/powerpoint/2010/main" val="574700568"/>
       </p:ext>
     </p:extLst>
   </p:cSld>
@@ -3923,6 +5478,14 @@
 <file path=ppt/slides/slide7.xml><?xml version="1.0" encoding="utf-8"?>
 <p:sld xmlns:a="http://schemas.openxmlformats.org/drawingml/2006/main" xmlns:r="http://schemas.openxmlformats.org/officeDocument/2006/relationships" xmlns:p="http://schemas.openxmlformats.org/presentationml/2006/main">
   <p:cSld>
+    <p:bg>
+      <p:bgPr>
+        <a:solidFill>
+          <a:schemeClr val="bg1"/>
+        </a:solidFill>
+        <a:effectLst/>
+      </p:bgPr>
+    </p:bg>
     <p:spTree>
       <p:nvGrpSpPr>
         <p:cNvPr id="1" name=""/>
@@ -3937,12 +5500,72 @@
           <a:chExt cx="0" cy="0"/>
         </a:xfrm>
       </p:grpSpPr>
+      <p:sp useBgFill="1">
+        <p:nvSpPr>
+          <p:cNvPr id="12" name="Rectangle 11">
+            <a:extLst>
+              <a:ext uri="{FF2B5EF4-FFF2-40B4-BE49-F238E27FC236}">
+                <a16:creationId xmlns:a16="http://schemas.microsoft.com/office/drawing/2014/main" id="{2B97F24A-32CE-4C1C-A50D-3016B394DCFB}"/>
+              </a:ext>
+              <a:ext uri="{C183D7F6-B498-43B3-948B-1728B52AA6E4}">
+                <adec:decorative xmlns:adec="http://schemas.microsoft.com/office/drawing/2017/decorative" val="1"/>
+              </a:ext>
+            </a:extLst>
+          </p:cNvPr>
+          <p:cNvSpPr>
+            <a:spLocks noGrp="1" noRot="1" noChangeAspect="1" noMove="1" noResize="1" noEditPoints="1" noAdjustHandles="1" noChangeArrowheads="1" noChangeShapeType="1" noTextEdit="1"/>
+          </p:cNvSpPr>
+          <p:nvPr>
+            <p:extLst>
+              <p:ext uri="{386F3935-93C4-4BCD-93E2-E3B085C9AB24}">
+                <p16:designElem xmlns:p16="http://schemas.microsoft.com/office/powerpoint/2015/main" val="1"/>
+              </p:ext>
+            </p:extLst>
+          </p:nvPr>
+        </p:nvSpPr>
+        <p:spPr>
+          <a:xfrm>
+            <a:off x="0" y="0"/>
+            <a:ext cx="12192000" cy="6858000"/>
+          </a:xfrm>
+          <a:prstGeom prst="rect">
+            <a:avLst/>
+          </a:prstGeom>
+          <a:ln>
+            <a:noFill/>
+          </a:ln>
+        </p:spPr>
+        <p:style>
+          <a:lnRef idx="2">
+            <a:schemeClr val="accent1">
+              <a:shade val="50000"/>
+            </a:schemeClr>
+          </a:lnRef>
+          <a:fillRef idx="1">
+            <a:schemeClr val="accent1"/>
+          </a:fillRef>
+          <a:effectRef idx="0">
+            <a:schemeClr val="accent1"/>
+          </a:effectRef>
+          <a:fontRef idx="minor">
+            <a:schemeClr val="lt1"/>
+          </a:fontRef>
+        </p:style>
+        <p:txBody>
+          <a:bodyPr rtlCol="0" anchor="ctr"/>
+          <a:lstStyle/>
+          <a:p>
+            <a:pPr algn="ctr"/>
+            <a:endParaRPr lang="en-US"/>
+          </a:p>
+        </p:txBody>
+      </p:sp>
       <p:sp>
         <p:nvSpPr>
           <p:cNvPr id="2" name="Title 1">
             <a:extLst>
               <a:ext uri="{FF2B5EF4-FFF2-40B4-BE49-F238E27FC236}">
-                <a16:creationId xmlns:a16="http://schemas.microsoft.com/office/drawing/2014/main" id="{8182F21F-A279-E1EF-12DB-ABB7C8378AE4}"/>
+                <a16:creationId xmlns:a16="http://schemas.microsoft.com/office/drawing/2014/main" id="{E3CC0CA6-B457-8834-62DF-92BBD16061E9}"/>
               </a:ext>
             </a:extLst>
           </p:cNvPr>
@@ -3953,21 +5576,304 @@
             <p:ph type="title"/>
           </p:nvPr>
         </p:nvSpPr>
-        <p:spPr/>
-        <p:txBody>
-          <a:bodyPr/>
-          <a:lstStyle/>
-          <a:p>
-            <a:endParaRPr lang="en-GB"/>
-          </a:p>
-        </p:txBody>
-      </p:sp>
-      <p:sp>
-        <p:nvSpPr>
-          <p:cNvPr id="3" name="Content Placeholder 2">
-            <a:extLst>
-              <a:ext uri="{FF2B5EF4-FFF2-40B4-BE49-F238E27FC236}">
-                <a16:creationId xmlns:a16="http://schemas.microsoft.com/office/drawing/2014/main" id="{A1A6126A-B96D-943E-DF48-B4BF0B7EF5DF}"/>
+        <p:spPr>
+          <a:xfrm>
+            <a:off x="630936" y="639520"/>
+            <a:ext cx="3429000" cy="1719072"/>
+          </a:xfrm>
+        </p:spPr>
+        <p:txBody>
+          <a:bodyPr anchor="b">
+            <a:normAutofit/>
+          </a:bodyPr>
+          <a:lstStyle/>
+          <a:p>
+            <a:r>
+              <a:rPr lang="en-GB" sz="5400"/>
+              <a:t>Önerilen Model</a:t>
+            </a:r>
+          </a:p>
+        </p:txBody>
+      </p:sp>
+      <p:sp>
+        <p:nvSpPr>
+          <p:cNvPr id="14" name="sketch line">
+            <a:extLst>
+              <a:ext uri="{FF2B5EF4-FFF2-40B4-BE49-F238E27FC236}">
+                <a16:creationId xmlns:a16="http://schemas.microsoft.com/office/drawing/2014/main" id="{CD8B4F24-440B-49E9-B85D-733523DC064B}"/>
+              </a:ext>
+              <a:ext uri="{C183D7F6-B498-43B3-948B-1728B52AA6E4}">
+                <adec:decorative xmlns:adec="http://schemas.microsoft.com/office/drawing/2017/decorative" val="1"/>
+              </a:ext>
+            </a:extLst>
+          </p:cNvPr>
+          <p:cNvSpPr>
+            <a:spLocks noGrp="1" noRot="1" noChangeAspect="1" noMove="1" noResize="1" noEditPoints="1" noAdjustHandles="1" noChangeArrowheads="1" noChangeShapeType="1" noTextEdit="1"/>
+          </p:cNvSpPr>
+          <p:nvPr>
+            <p:extLst>
+              <p:ext uri="{386F3935-93C4-4BCD-93E2-E3B085C9AB24}">
+                <p16:designElem xmlns:p16="http://schemas.microsoft.com/office/powerpoint/2015/main" val="1"/>
+              </p:ext>
+            </p:extLst>
+          </p:nvPr>
+        </p:nvSpPr>
+        <p:spPr>
+          <a:xfrm>
+            <a:off x="643278" y="2573756"/>
+            <a:ext cx="3255095" cy="18288"/>
+          </a:xfrm>
+          <a:custGeom>
+            <a:avLst/>
+            <a:gdLst>
+              <a:gd name="connsiteX0" fmla="*/ 0 w 3255095"/>
+              <a:gd name="connsiteY0" fmla="*/ 0 h 18288"/>
+              <a:gd name="connsiteX1" fmla="*/ 618468 w 3255095"/>
+              <a:gd name="connsiteY1" fmla="*/ 0 h 18288"/>
+              <a:gd name="connsiteX2" fmla="*/ 1269487 w 3255095"/>
+              <a:gd name="connsiteY2" fmla="*/ 0 h 18288"/>
+              <a:gd name="connsiteX3" fmla="*/ 1953057 w 3255095"/>
+              <a:gd name="connsiteY3" fmla="*/ 0 h 18288"/>
+              <a:gd name="connsiteX4" fmla="*/ 2636627 w 3255095"/>
+              <a:gd name="connsiteY4" fmla="*/ 0 h 18288"/>
+              <a:gd name="connsiteX5" fmla="*/ 3255095 w 3255095"/>
+              <a:gd name="connsiteY5" fmla="*/ 0 h 18288"/>
+              <a:gd name="connsiteX6" fmla="*/ 3255095 w 3255095"/>
+              <a:gd name="connsiteY6" fmla="*/ 18288 h 18288"/>
+              <a:gd name="connsiteX7" fmla="*/ 2538974 w 3255095"/>
+              <a:gd name="connsiteY7" fmla="*/ 18288 h 18288"/>
+              <a:gd name="connsiteX8" fmla="*/ 1822853 w 3255095"/>
+              <a:gd name="connsiteY8" fmla="*/ 18288 h 18288"/>
+              <a:gd name="connsiteX9" fmla="*/ 1171834 w 3255095"/>
+              <a:gd name="connsiteY9" fmla="*/ 18288 h 18288"/>
+              <a:gd name="connsiteX10" fmla="*/ 0 w 3255095"/>
+              <a:gd name="connsiteY10" fmla="*/ 18288 h 18288"/>
+              <a:gd name="connsiteX11" fmla="*/ 0 w 3255095"/>
+              <a:gd name="connsiteY11" fmla="*/ 0 h 18288"/>
+            </a:gdLst>
+            <a:ahLst/>
+            <a:cxnLst>
+              <a:cxn ang="0">
+                <a:pos x="connsiteX0" y="connsiteY0"/>
+              </a:cxn>
+              <a:cxn ang="0">
+                <a:pos x="connsiteX1" y="connsiteY1"/>
+              </a:cxn>
+              <a:cxn ang="0">
+                <a:pos x="connsiteX2" y="connsiteY2"/>
+              </a:cxn>
+              <a:cxn ang="0">
+                <a:pos x="connsiteX3" y="connsiteY3"/>
+              </a:cxn>
+              <a:cxn ang="0">
+                <a:pos x="connsiteX4" y="connsiteY4"/>
+              </a:cxn>
+              <a:cxn ang="0">
+                <a:pos x="connsiteX5" y="connsiteY5"/>
+              </a:cxn>
+              <a:cxn ang="0">
+                <a:pos x="connsiteX6" y="connsiteY6"/>
+              </a:cxn>
+              <a:cxn ang="0">
+                <a:pos x="connsiteX7" y="connsiteY7"/>
+              </a:cxn>
+              <a:cxn ang="0">
+                <a:pos x="connsiteX8" y="connsiteY8"/>
+              </a:cxn>
+              <a:cxn ang="0">
+                <a:pos x="connsiteX9" y="connsiteY9"/>
+              </a:cxn>
+              <a:cxn ang="0">
+                <a:pos x="connsiteX10" y="connsiteY10"/>
+              </a:cxn>
+              <a:cxn ang="0">
+                <a:pos x="connsiteX11" y="connsiteY11"/>
+              </a:cxn>
+            </a:cxnLst>
+            <a:rect l="l" t="t" r="r" b="b"/>
+            <a:pathLst>
+              <a:path w="3255095" h="18288" fill="none" extrusionOk="0">
+                <a:moveTo>
+                  <a:pt x="0" y="0"/>
+                </a:moveTo>
+                <a:cubicBezTo>
+                  <a:pt x="240201" y="-22123"/>
+                  <a:pt x="462021" y="-19623"/>
+                  <a:pt x="618468" y="0"/>
+                </a:cubicBezTo>
+                <a:cubicBezTo>
+                  <a:pt x="774915" y="19623"/>
+                  <a:pt x="974734" y="2035"/>
+                  <a:pt x="1269487" y="0"/>
+                </a:cubicBezTo>
+                <a:cubicBezTo>
+                  <a:pt x="1564240" y="-2035"/>
+                  <a:pt x="1733579" y="10639"/>
+                  <a:pt x="1953057" y="0"/>
+                </a:cubicBezTo>
+                <a:cubicBezTo>
+                  <a:pt x="2172535" y="-10639"/>
+                  <a:pt x="2453962" y="14018"/>
+                  <a:pt x="2636627" y="0"/>
+                </a:cubicBezTo>
+                <a:cubicBezTo>
+                  <a:pt x="2819292" y="-14018"/>
+                  <a:pt x="3121375" y="5399"/>
+                  <a:pt x="3255095" y="0"/>
+                </a:cubicBezTo>
+                <a:cubicBezTo>
+                  <a:pt x="3254386" y="8157"/>
+                  <a:pt x="3254682" y="12125"/>
+                  <a:pt x="3255095" y="18288"/>
+                </a:cubicBezTo>
+                <a:cubicBezTo>
+                  <a:pt x="3088545" y="23203"/>
+                  <a:pt x="2687475" y="7419"/>
+                  <a:pt x="2538974" y="18288"/>
+                </a:cubicBezTo>
+                <a:cubicBezTo>
+                  <a:pt x="2390473" y="29157"/>
+                  <a:pt x="2137381" y="-8959"/>
+                  <a:pt x="1822853" y="18288"/>
+                </a:cubicBezTo>
+                <a:cubicBezTo>
+                  <a:pt x="1508325" y="45535"/>
+                  <a:pt x="1466437" y="20385"/>
+                  <a:pt x="1171834" y="18288"/>
+                </a:cubicBezTo>
+                <a:cubicBezTo>
+                  <a:pt x="877231" y="16191"/>
+                  <a:pt x="561097" y="37643"/>
+                  <a:pt x="0" y="18288"/>
+                </a:cubicBezTo>
+                <a:cubicBezTo>
+                  <a:pt x="-46" y="12483"/>
+                  <a:pt x="-203" y="6491"/>
+                  <a:pt x="0" y="0"/>
+                </a:cubicBezTo>
+                <a:close/>
+              </a:path>
+              <a:path w="3255095" h="18288" stroke="0" extrusionOk="0">
+                <a:moveTo>
+                  <a:pt x="0" y="0"/>
+                </a:moveTo>
+                <a:cubicBezTo>
+                  <a:pt x="291965" y="19429"/>
+                  <a:pt x="363155" y="8568"/>
+                  <a:pt x="618468" y="0"/>
+                </a:cubicBezTo>
+                <a:cubicBezTo>
+                  <a:pt x="873781" y="-8568"/>
+                  <a:pt x="904459" y="-19505"/>
+                  <a:pt x="1171834" y="0"/>
+                </a:cubicBezTo>
+                <a:cubicBezTo>
+                  <a:pt x="1439209" y="19505"/>
+                  <a:pt x="1744369" y="9790"/>
+                  <a:pt x="1887955" y="0"/>
+                </a:cubicBezTo>
+                <a:cubicBezTo>
+                  <a:pt x="2031541" y="-9790"/>
+                  <a:pt x="2346378" y="21240"/>
+                  <a:pt x="2506423" y="0"/>
+                </a:cubicBezTo>
+                <a:cubicBezTo>
+                  <a:pt x="2666468" y="-21240"/>
+                  <a:pt x="2990257" y="30414"/>
+                  <a:pt x="3255095" y="0"/>
+                </a:cubicBezTo>
+                <a:cubicBezTo>
+                  <a:pt x="3254831" y="4493"/>
+                  <a:pt x="3255479" y="9472"/>
+                  <a:pt x="3255095" y="18288"/>
+                </a:cubicBezTo>
+                <a:cubicBezTo>
+                  <a:pt x="3120743" y="16690"/>
+                  <a:pt x="2759628" y="42462"/>
+                  <a:pt x="2604076" y="18288"/>
+                </a:cubicBezTo>
+                <a:cubicBezTo>
+                  <a:pt x="2448524" y="-5886"/>
+                  <a:pt x="2184336" y="19599"/>
+                  <a:pt x="1887955" y="18288"/>
+                </a:cubicBezTo>
+                <a:cubicBezTo>
+                  <a:pt x="1591574" y="16977"/>
+                  <a:pt x="1548845" y="6870"/>
+                  <a:pt x="1334589" y="18288"/>
+                </a:cubicBezTo>
+                <a:cubicBezTo>
+                  <a:pt x="1120333" y="29706"/>
+                  <a:pt x="996014" y="9662"/>
+                  <a:pt x="683570" y="18288"/>
+                </a:cubicBezTo>
+                <a:cubicBezTo>
+                  <a:pt x="371126" y="26914"/>
+                  <a:pt x="198687" y="16167"/>
+                  <a:pt x="0" y="18288"/>
+                </a:cubicBezTo>
+                <a:cubicBezTo>
+                  <a:pt x="843" y="9577"/>
+                  <a:pt x="371" y="6900"/>
+                  <a:pt x="0" y="0"/>
+                </a:cubicBezTo>
+                <a:close/>
+              </a:path>
+            </a:pathLst>
+          </a:custGeom>
+          <a:solidFill>
+            <a:schemeClr val="accent2"/>
+          </a:solidFill>
+          <a:ln w="38100" cap="rnd">
+            <a:solidFill>
+              <a:schemeClr val="accent2"/>
+            </a:solidFill>
+            <a:round/>
+            <a:extLst>
+              <a:ext uri="{C807C97D-BFC1-408E-A445-0C87EB9F89A2}">
+                <ask:lineSketchStyleProps xmlns:ask="http://schemas.microsoft.com/office/drawing/2018/sketchyshapes" sd="1219033472">
+                  <a:prstGeom prst="rect">
+                    <a:avLst/>
+                  </a:prstGeom>
+                  <ask:type>
+                    <ask:lineSketchFreehand/>
+                  </ask:type>
+                </ask:lineSketchStyleProps>
+              </a:ext>
+            </a:extLst>
+          </a:ln>
+        </p:spPr>
+        <p:style>
+          <a:lnRef idx="2">
+            <a:schemeClr val="accent1">
+              <a:shade val="50000"/>
+            </a:schemeClr>
+          </a:lnRef>
+          <a:fillRef idx="1">
+            <a:schemeClr val="accent1"/>
+          </a:fillRef>
+          <a:effectRef idx="0">
+            <a:schemeClr val="accent1"/>
+          </a:effectRef>
+          <a:fontRef idx="minor">
+            <a:schemeClr val="lt1"/>
+          </a:fontRef>
+        </p:style>
+        <p:txBody>
+          <a:bodyPr rtlCol="0" anchor="ctr"/>
+          <a:lstStyle/>
+          <a:p>
+            <a:pPr algn="ctr"/>
+            <a:endParaRPr lang="en-US"/>
+          </a:p>
+        </p:txBody>
+      </p:sp>
+      <p:sp>
+        <p:nvSpPr>
+          <p:cNvPr id="9" name="Content Placeholder 8">
+            <a:extLst>
+              <a:ext uri="{FF2B5EF4-FFF2-40B4-BE49-F238E27FC236}">
+                <a16:creationId xmlns:a16="http://schemas.microsoft.com/office/drawing/2014/main" id="{F8F820FF-AB4C-3A53-AD9C-6ACC5F42C6E7}"/>
               </a:ext>
             </a:extLst>
           </p:cNvPr>
@@ -3978,19 +5884,62 @@
             <p:ph idx="1"/>
           </p:nvPr>
         </p:nvSpPr>
-        <p:spPr/>
-        <p:txBody>
-          <a:bodyPr/>
-          <a:lstStyle/>
-          <a:p>
-            <a:endParaRPr lang="en-GB"/>
-          </a:p>
-        </p:txBody>
-      </p:sp>
+        <p:spPr>
+          <a:xfrm>
+            <a:off x="630936" y="2807208"/>
+            <a:ext cx="3429000" cy="3410712"/>
+          </a:xfrm>
+        </p:spPr>
+        <p:txBody>
+          <a:bodyPr anchor="t">
+            <a:normAutofit/>
+          </a:bodyPr>
+          <a:lstStyle/>
+          <a:p>
+            <a:endParaRPr lang="en-US" sz="2200"/>
+          </a:p>
+        </p:txBody>
+      </p:sp>
+      <p:pic>
+        <p:nvPicPr>
+          <p:cNvPr id="5" name="Content Placeholder 4" descr="A diagram of a model&#10;&#10;Description automatically generated">
+            <a:extLst>
+              <a:ext uri="{FF2B5EF4-FFF2-40B4-BE49-F238E27FC236}">
+                <a16:creationId xmlns:a16="http://schemas.microsoft.com/office/drawing/2014/main" id="{8721B8B0-26C0-3900-F0A9-5A9437BE91ED}"/>
+              </a:ext>
+            </a:extLst>
+          </p:cNvPr>
+          <p:cNvPicPr>
+            <a:picLocks noChangeAspect="1"/>
+          </p:cNvPicPr>
+          <p:nvPr/>
+        </p:nvPicPr>
+        <p:blipFill>
+          <a:blip r:embed="rId2">
+            <a:extLst>
+              <a:ext uri="{28A0092B-C50C-407E-A947-70E740481C1C}">
+                <a14:useLocalDpi xmlns:a14="http://schemas.microsoft.com/office/drawing/2010/main" val="0"/>
+              </a:ext>
+            </a:extLst>
+          </a:blip>
+          <a:stretch>
+            <a:fillRect/>
+          </a:stretch>
+        </p:blipFill>
+        <p:spPr>
+          <a:xfrm>
+            <a:off x="4654296" y="1228439"/>
+            <a:ext cx="6903720" cy="4401121"/>
+          </a:xfrm>
+          <a:prstGeom prst="rect">
+            <a:avLst/>
+          </a:prstGeom>
+        </p:spPr>
+      </p:pic>
     </p:spTree>
     <p:extLst>
       <p:ext uri="{BB962C8B-B14F-4D97-AF65-F5344CB8AC3E}">
-        <p14:creationId xmlns:p14="http://schemas.microsoft.com/office/powerpoint/2010/main" val="2957002630"/>
+        <p14:creationId xmlns:p14="http://schemas.microsoft.com/office/powerpoint/2010/main" val="3851241837"/>
       </p:ext>
     </p:extLst>
   </p:cSld>
@@ -4022,7 +5971,7 @@
           <p:cNvPr id="2" name="Title 1">
             <a:extLst>
               <a:ext uri="{FF2B5EF4-FFF2-40B4-BE49-F238E27FC236}">
-                <a16:creationId xmlns:a16="http://schemas.microsoft.com/office/drawing/2014/main" id="{CA13C65B-41AD-BEE7-D207-2F76331485DE}"/>
+                <a16:creationId xmlns:a16="http://schemas.microsoft.com/office/drawing/2014/main" id="{8182F21F-A279-E1EF-12DB-ABB7C8378AE4}"/>
               </a:ext>
             </a:extLst>
           </p:cNvPr>
@@ -4038,7 +5987,11 @@
           <a:bodyPr/>
           <a:lstStyle/>
           <a:p>
-            <a:endParaRPr lang="en-GB"/>
+            <a:r>
+              <a:rPr lang="en-GB" dirty="0" err="1"/>
+              <a:t>Sonuç</a:t>
+            </a:r>
+            <a:endParaRPr lang="en-GB" dirty="0"/>
           </a:p>
         </p:txBody>
       </p:sp>
@@ -4047,7 +6000,7 @@
           <p:cNvPr id="3" name="Content Placeholder 2">
             <a:extLst>
               <a:ext uri="{FF2B5EF4-FFF2-40B4-BE49-F238E27FC236}">
-                <a16:creationId xmlns:a16="http://schemas.microsoft.com/office/drawing/2014/main" id="{632B50FA-37AC-E819-4657-2752A473F5E3}"/>
+                <a16:creationId xmlns:a16="http://schemas.microsoft.com/office/drawing/2014/main" id="{A1A6126A-B96D-943E-DF48-B4BF0B7EF5DF}"/>
               </a:ext>
             </a:extLst>
           </p:cNvPr>
@@ -4063,14 +6016,331 @@
           <a:bodyPr/>
           <a:lstStyle/>
           <a:p>
-            <a:endParaRPr lang="en-GB"/>
+            <a:r>
+              <a:rPr lang="en-GB" dirty="0" err="1"/>
+              <a:t>Duruş</a:t>
+            </a:r>
+            <a:r>
+              <a:rPr lang="en-GB" dirty="0"/>
+              <a:t> </a:t>
+            </a:r>
+            <a:r>
+              <a:rPr lang="en-GB" dirty="0" err="1"/>
+              <a:t>tespiti</a:t>
+            </a:r>
+            <a:r>
+              <a:rPr lang="en-GB" dirty="0"/>
+              <a:t> </a:t>
+            </a:r>
+            <a:r>
+              <a:rPr lang="en-GB" dirty="0" err="1"/>
+              <a:t>modelleri</a:t>
+            </a:r>
+            <a:r>
+              <a:rPr lang="en-GB" dirty="0"/>
+              <a:t>; </a:t>
+            </a:r>
+            <a:r>
+              <a:rPr lang="en-GB" dirty="0" err="1"/>
+              <a:t>Sosyal</a:t>
+            </a:r>
+            <a:r>
+              <a:rPr lang="en-GB" dirty="0"/>
+              <a:t> </a:t>
+            </a:r>
+            <a:r>
+              <a:rPr lang="en-GB" dirty="0" err="1"/>
+              <a:t>Medya</a:t>
+            </a:r>
+            <a:r>
+              <a:rPr lang="en-GB" dirty="0"/>
+              <a:t> </a:t>
+            </a:r>
+            <a:r>
+              <a:rPr lang="en-GB" dirty="0" err="1"/>
+              <a:t>Analizi</a:t>
+            </a:r>
+            <a:r>
+              <a:rPr lang="en-GB" dirty="0"/>
+              <a:t>, Haber </a:t>
+            </a:r>
+            <a:r>
+              <a:rPr lang="en-GB" dirty="0" err="1"/>
+              <a:t>Analizi</a:t>
+            </a:r>
+            <a:r>
+              <a:rPr lang="en-GB" dirty="0"/>
+              <a:t>, </a:t>
+            </a:r>
+            <a:r>
+              <a:rPr lang="en-GB" dirty="0" err="1"/>
+              <a:t>Siyasi</a:t>
+            </a:r>
+            <a:r>
+              <a:rPr lang="en-GB" dirty="0"/>
+              <a:t> Analiz, </a:t>
+            </a:r>
+            <a:r>
+              <a:rPr lang="en-GB" dirty="0" err="1"/>
+              <a:t>Ürün</a:t>
+            </a:r>
+            <a:r>
+              <a:rPr lang="en-GB" dirty="0"/>
+              <a:t> </a:t>
+            </a:r>
+            <a:r>
+              <a:rPr lang="en-GB" dirty="0" err="1"/>
+              <a:t>İncelemeleri</a:t>
+            </a:r>
+            <a:r>
+              <a:rPr lang="en-GB" dirty="0"/>
+              <a:t> </a:t>
+            </a:r>
+            <a:r>
+              <a:rPr lang="en-GB" dirty="0" err="1"/>
+              <a:t>ve</a:t>
+            </a:r>
+            <a:r>
+              <a:rPr lang="en-GB" dirty="0"/>
+              <a:t> </a:t>
+            </a:r>
+            <a:r>
+              <a:rPr lang="en-GB" dirty="0" err="1"/>
+              <a:t>Pazarlama</a:t>
+            </a:r>
+            <a:r>
+              <a:rPr lang="en-GB" dirty="0"/>
+              <a:t>, </a:t>
+            </a:r>
+            <a:r>
+              <a:rPr lang="en-GB" dirty="0" err="1"/>
+              <a:t>Kamuoyu</a:t>
+            </a:r>
+            <a:r>
+              <a:rPr lang="en-GB" dirty="0"/>
+              <a:t> </a:t>
+            </a:r>
+            <a:r>
+              <a:rPr lang="en-GB" dirty="0" err="1"/>
+              <a:t>Araştırmaları</a:t>
+            </a:r>
+            <a:r>
+              <a:rPr lang="en-GB" dirty="0"/>
+              <a:t> </a:t>
+            </a:r>
+            <a:r>
+              <a:rPr lang="en-GB" dirty="0" err="1"/>
+              <a:t>gibi</a:t>
+            </a:r>
+            <a:r>
+              <a:rPr lang="en-GB" dirty="0"/>
+              <a:t> </a:t>
+            </a:r>
+            <a:r>
+              <a:rPr lang="en-GB" dirty="0" err="1"/>
+              <a:t>çeşitli</a:t>
+            </a:r>
+            <a:r>
+              <a:rPr lang="en-GB" dirty="0"/>
+              <a:t> </a:t>
+            </a:r>
+            <a:r>
+              <a:rPr lang="en-GB" dirty="0" err="1"/>
+              <a:t>alanlarda</a:t>
+            </a:r>
+            <a:r>
+              <a:rPr lang="en-GB" dirty="0"/>
+              <a:t> </a:t>
+            </a:r>
+            <a:r>
+              <a:rPr lang="en-GB" dirty="0" err="1"/>
+              <a:t>kullanılabilir</a:t>
+            </a:r>
+            <a:r>
+              <a:rPr lang="en-GB" dirty="0"/>
+              <a:t>.</a:t>
+            </a:r>
+          </a:p>
+          <a:p>
+            <a:r>
+              <a:rPr lang="en-GB" dirty="0"/>
+              <a:t>Bu </a:t>
+            </a:r>
+            <a:r>
+              <a:rPr lang="en-GB" dirty="0" err="1"/>
+              <a:t>çalışma</a:t>
+            </a:r>
+            <a:r>
+              <a:rPr lang="en-GB" dirty="0"/>
+              <a:t> </a:t>
+            </a:r>
+            <a:r>
+              <a:rPr lang="en-GB" dirty="0" err="1"/>
+              <a:t>ile</a:t>
+            </a:r>
+            <a:r>
+              <a:rPr lang="en-GB" dirty="0"/>
+              <a:t>  </a:t>
+            </a:r>
+            <a:r>
+              <a:rPr lang="en-GB" dirty="0" err="1"/>
+              <a:t>belirli</a:t>
+            </a:r>
+            <a:r>
+              <a:rPr lang="en-GB" dirty="0"/>
+              <a:t> </a:t>
+            </a:r>
+            <a:r>
+              <a:rPr lang="en-GB" dirty="0" err="1"/>
+              <a:t>bir</a:t>
+            </a:r>
+            <a:r>
+              <a:rPr lang="en-GB" dirty="0"/>
+              <a:t> </a:t>
+            </a:r>
+            <a:r>
+              <a:rPr lang="en-GB" dirty="0" err="1"/>
+              <a:t>konu</a:t>
+            </a:r>
+            <a:r>
+              <a:rPr lang="en-GB" dirty="0"/>
+              <a:t> </a:t>
+            </a:r>
+            <a:r>
+              <a:rPr lang="en-GB" dirty="0" err="1"/>
+              <a:t>veya</a:t>
+            </a:r>
+            <a:r>
+              <a:rPr lang="en-GB" dirty="0"/>
+              <a:t> </a:t>
+            </a:r>
+            <a:r>
+              <a:rPr lang="en-GB" dirty="0" err="1"/>
+              <a:t>görüş</a:t>
+            </a:r>
+            <a:r>
+              <a:rPr lang="en-GB" dirty="0"/>
+              <a:t> </a:t>
+            </a:r>
+            <a:r>
+              <a:rPr lang="en-GB" dirty="0" err="1"/>
+              <a:t>hakkındaki</a:t>
+            </a:r>
+            <a:r>
+              <a:rPr lang="en-GB" dirty="0"/>
+              <a:t> </a:t>
+            </a:r>
+            <a:r>
+              <a:rPr lang="en-GB" dirty="0" err="1"/>
+              <a:t>tutumları</a:t>
+            </a:r>
+            <a:r>
+              <a:rPr lang="en-GB" dirty="0"/>
+              <a:t> </a:t>
+            </a:r>
+            <a:r>
+              <a:rPr lang="en-GB" dirty="0" err="1"/>
+              <a:t>anlamak</a:t>
+            </a:r>
+            <a:r>
+              <a:rPr lang="en-GB" dirty="0"/>
+              <a:t> </a:t>
+            </a:r>
+            <a:r>
+              <a:rPr lang="en-GB" dirty="0" err="1"/>
+              <a:t>ve</a:t>
+            </a:r>
+            <a:r>
+              <a:rPr lang="en-GB" dirty="0"/>
+              <a:t> </a:t>
+            </a:r>
+            <a:r>
+              <a:rPr lang="en-GB" dirty="0" err="1"/>
+              <a:t>değerlendirmek</a:t>
+            </a:r>
+            <a:r>
+              <a:rPr lang="en-GB" dirty="0"/>
+              <a:t> </a:t>
+            </a:r>
+            <a:r>
+              <a:rPr lang="en-GB" dirty="0" err="1"/>
+              <a:t>için</a:t>
+            </a:r>
+            <a:r>
+              <a:rPr lang="en-GB" dirty="0"/>
+              <a:t> </a:t>
+            </a:r>
+            <a:r>
+              <a:rPr lang="en-GB" dirty="0" err="1"/>
+              <a:t>güçlü</a:t>
+            </a:r>
+            <a:r>
+              <a:rPr lang="en-GB" dirty="0"/>
+              <a:t>, </a:t>
+            </a:r>
+            <a:r>
+              <a:rPr lang="en-GB" dirty="0" err="1"/>
+              <a:t>hızlı</a:t>
+            </a:r>
+            <a:r>
+              <a:rPr lang="en-GB" dirty="0"/>
+              <a:t> </a:t>
+            </a:r>
+            <a:r>
+              <a:rPr lang="en-GB" dirty="0" err="1"/>
+              <a:t>ve</a:t>
+            </a:r>
+            <a:r>
+              <a:rPr lang="en-GB" dirty="0"/>
+              <a:t> </a:t>
+            </a:r>
+            <a:r>
+              <a:rPr lang="en-GB" dirty="0" err="1"/>
+              <a:t>otomatik</a:t>
+            </a:r>
+            <a:r>
+              <a:rPr lang="en-GB" dirty="0"/>
+              <a:t> </a:t>
+            </a:r>
+            <a:r>
+              <a:rPr lang="en-GB" dirty="0" err="1"/>
+              <a:t>bir</a:t>
+            </a:r>
+            <a:r>
+              <a:rPr lang="en-GB" dirty="0"/>
+              <a:t> </a:t>
+            </a:r>
+            <a:r>
+              <a:rPr lang="en-GB" dirty="0" err="1"/>
+              <a:t>araç</a:t>
+            </a:r>
+            <a:r>
+              <a:rPr lang="en-GB" dirty="0"/>
+              <a:t> </a:t>
+            </a:r>
+            <a:r>
+              <a:rPr lang="en-GB" dirty="0" err="1"/>
+              <a:t>sağlanması</a:t>
+            </a:r>
+            <a:r>
+              <a:rPr lang="en-GB" dirty="0"/>
+              <a:t> </a:t>
+            </a:r>
+            <a:r>
+              <a:rPr lang="en-GB" dirty="0" err="1"/>
+              <a:t>hedeflenmektedir</a:t>
+            </a:r>
+            <a:r>
+              <a:rPr lang="en-GB" dirty="0"/>
+              <a:t>.</a:t>
+            </a:r>
           </a:p>
         </p:txBody>
       </p:sp>
     </p:spTree>
     <p:extLst>
       <p:ext uri="{BB962C8B-B14F-4D97-AF65-F5344CB8AC3E}">
-        <p14:creationId xmlns:p14="http://schemas.microsoft.com/office/powerpoint/2010/main" val="1785088884"/>
+        <p14:creationId xmlns:p14="http://schemas.microsoft.com/office/powerpoint/2010/main" val="2957002630"/>
       </p:ext>
     </p:extLst>
   </p:cSld>

--- a/ibrahim okan akvec seminer sunum.pptx
+++ b/ibrahim okan akvec seminer sunum.pptx
@@ -13,6 +13,7 @@
     <p:sldId id="264" r:id="rId7"/>
     <p:sldId id="261" r:id="rId8"/>
     <p:sldId id="262" r:id="rId9"/>
+    <p:sldId id="265" r:id="rId10"/>
   </p:sldIdLst>
   <p:sldSz cx="12192000" cy="6858000"/>
   <p:notesSz cx="6858000" cy="9144000"/>
@@ -268,7 +269,7 @@
           <a:p>
             <a:fld id="{3FBF741E-6496-454D-A658-5E0C96BB8EE5}" type="datetimeFigureOut">
               <a:rPr lang="en-GB" smtClean="0"/>
-              <a:t>06/07/2024</a:t>
+              <a:t>08/07/2024</a:t>
             </a:fld>
             <a:endParaRPr lang="en-GB"/>
           </a:p>
@@ -468,7 +469,7 @@
           <a:p>
             <a:fld id="{3FBF741E-6496-454D-A658-5E0C96BB8EE5}" type="datetimeFigureOut">
               <a:rPr lang="en-GB" smtClean="0"/>
-              <a:t>06/07/2024</a:t>
+              <a:t>08/07/2024</a:t>
             </a:fld>
             <a:endParaRPr lang="en-GB"/>
           </a:p>
@@ -678,7 +679,7 @@
           <a:p>
             <a:fld id="{3FBF741E-6496-454D-A658-5E0C96BB8EE5}" type="datetimeFigureOut">
               <a:rPr lang="en-GB" smtClean="0"/>
-              <a:t>06/07/2024</a:t>
+              <a:t>08/07/2024</a:t>
             </a:fld>
             <a:endParaRPr lang="en-GB"/>
           </a:p>
@@ -878,7 +879,7 @@
           <a:p>
             <a:fld id="{3FBF741E-6496-454D-A658-5E0C96BB8EE5}" type="datetimeFigureOut">
               <a:rPr lang="en-GB" smtClean="0"/>
-              <a:t>06/07/2024</a:t>
+              <a:t>08/07/2024</a:t>
             </a:fld>
             <a:endParaRPr lang="en-GB"/>
           </a:p>
@@ -1154,7 +1155,7 @@
           <a:p>
             <a:fld id="{3FBF741E-6496-454D-A658-5E0C96BB8EE5}" type="datetimeFigureOut">
               <a:rPr lang="en-GB" smtClean="0"/>
-              <a:t>06/07/2024</a:t>
+              <a:t>08/07/2024</a:t>
             </a:fld>
             <a:endParaRPr lang="en-GB"/>
           </a:p>
@@ -1422,7 +1423,7 @@
           <a:p>
             <a:fld id="{3FBF741E-6496-454D-A658-5E0C96BB8EE5}" type="datetimeFigureOut">
               <a:rPr lang="en-GB" smtClean="0"/>
-              <a:t>06/07/2024</a:t>
+              <a:t>08/07/2024</a:t>
             </a:fld>
             <a:endParaRPr lang="en-GB"/>
           </a:p>
@@ -1837,7 +1838,7 @@
           <a:p>
             <a:fld id="{3FBF741E-6496-454D-A658-5E0C96BB8EE5}" type="datetimeFigureOut">
               <a:rPr lang="en-GB" smtClean="0"/>
-              <a:t>06/07/2024</a:t>
+              <a:t>08/07/2024</a:t>
             </a:fld>
             <a:endParaRPr lang="en-GB"/>
           </a:p>
@@ -1979,7 +1980,7 @@
           <a:p>
             <a:fld id="{3FBF741E-6496-454D-A658-5E0C96BB8EE5}" type="datetimeFigureOut">
               <a:rPr lang="en-GB" smtClean="0"/>
-              <a:t>06/07/2024</a:t>
+              <a:t>08/07/2024</a:t>
             </a:fld>
             <a:endParaRPr lang="en-GB"/>
           </a:p>
@@ -2092,7 +2093,7 @@
           <a:p>
             <a:fld id="{3FBF741E-6496-454D-A658-5E0C96BB8EE5}" type="datetimeFigureOut">
               <a:rPr lang="en-GB" smtClean="0"/>
-              <a:t>06/07/2024</a:t>
+              <a:t>08/07/2024</a:t>
             </a:fld>
             <a:endParaRPr lang="en-GB"/>
           </a:p>
@@ -2405,7 +2406,7 @@
           <a:p>
             <a:fld id="{3FBF741E-6496-454D-A658-5E0C96BB8EE5}" type="datetimeFigureOut">
               <a:rPr lang="en-GB" smtClean="0"/>
-              <a:t>06/07/2024</a:t>
+              <a:t>08/07/2024</a:t>
             </a:fld>
             <a:endParaRPr lang="en-GB"/>
           </a:p>
@@ -2694,7 +2695,7 @@
           <a:p>
             <a:fld id="{3FBF741E-6496-454D-A658-5E0C96BB8EE5}" type="datetimeFigureOut">
               <a:rPr lang="en-GB" smtClean="0"/>
-              <a:t>06/07/2024</a:t>
+              <a:t>08/07/2024</a:t>
             </a:fld>
             <a:endParaRPr lang="en-GB"/>
           </a:p>
@@ -2937,7 +2938,7 @@
           <a:p>
             <a:fld id="{3FBF741E-6496-454D-A658-5E0C96BB8EE5}" type="datetimeFigureOut">
               <a:rPr lang="en-GB" smtClean="0"/>
-              <a:t>06/07/2024</a:t>
+              <a:t>08/07/2024</a:t>
             </a:fld>
             <a:endParaRPr lang="en-GB"/>
           </a:p>
@@ -6341,6 +6342,91 @@
     <p:extLst>
       <p:ext uri="{BB962C8B-B14F-4D97-AF65-F5344CB8AC3E}">
         <p14:creationId xmlns:p14="http://schemas.microsoft.com/office/powerpoint/2010/main" val="2957002630"/>
+      </p:ext>
+    </p:extLst>
+  </p:cSld>
+  <p:clrMapOvr>
+    <a:masterClrMapping/>
+  </p:clrMapOvr>
+</p:sld>
+</file>
+
+<file path=ppt/slides/slide9.xml><?xml version="1.0" encoding="utf-8"?>
+<p:sld xmlns:a="http://schemas.openxmlformats.org/drawingml/2006/main" xmlns:r="http://schemas.openxmlformats.org/officeDocument/2006/relationships" xmlns:p="http://schemas.openxmlformats.org/presentationml/2006/main">
+  <p:cSld>
+    <p:spTree>
+      <p:nvGrpSpPr>
+        <p:cNvPr id="1" name=""/>
+        <p:cNvGrpSpPr/>
+        <p:nvPr/>
+      </p:nvGrpSpPr>
+      <p:grpSpPr>
+        <a:xfrm>
+          <a:off x="0" y="0"/>
+          <a:ext cx="0" cy="0"/>
+          <a:chOff x="0" y="0"/>
+          <a:chExt cx="0" cy="0"/>
+        </a:xfrm>
+      </p:grpSpPr>
+      <p:sp>
+        <p:nvSpPr>
+          <p:cNvPr id="2" name="Title 1">
+            <a:extLst>
+              <a:ext uri="{FF2B5EF4-FFF2-40B4-BE49-F238E27FC236}">
+                <a16:creationId xmlns:a16="http://schemas.microsoft.com/office/drawing/2014/main" id="{4D736392-B606-5F98-ECD9-2B9FD56891F4}"/>
+              </a:ext>
+            </a:extLst>
+          </p:cNvPr>
+          <p:cNvSpPr>
+            <a:spLocks noGrp="1"/>
+          </p:cNvSpPr>
+          <p:nvPr>
+            <p:ph type="title"/>
+          </p:nvPr>
+        </p:nvSpPr>
+        <p:spPr/>
+        <p:txBody>
+          <a:bodyPr/>
+          <a:lstStyle/>
+          <a:p>
+            <a:pPr algn="ctr"/>
+            <a:r>
+              <a:rPr lang="en-GB" dirty="0" err="1"/>
+              <a:t>Teşekkürler</a:t>
+            </a:r>
+            <a:endParaRPr lang="en-GB" dirty="0"/>
+          </a:p>
+        </p:txBody>
+      </p:sp>
+      <p:sp>
+        <p:nvSpPr>
+          <p:cNvPr id="3" name="Content Placeholder 2">
+            <a:extLst>
+              <a:ext uri="{FF2B5EF4-FFF2-40B4-BE49-F238E27FC236}">
+                <a16:creationId xmlns:a16="http://schemas.microsoft.com/office/drawing/2014/main" id="{9735EF6E-A6CC-D796-1117-0C94B7E949EA}"/>
+              </a:ext>
+            </a:extLst>
+          </p:cNvPr>
+          <p:cNvSpPr>
+            <a:spLocks noGrp="1"/>
+          </p:cNvSpPr>
+          <p:nvPr>
+            <p:ph idx="1"/>
+          </p:nvPr>
+        </p:nvSpPr>
+        <p:spPr/>
+        <p:txBody>
+          <a:bodyPr/>
+          <a:lstStyle/>
+          <a:p>
+            <a:endParaRPr lang="en-GB"/>
+          </a:p>
+        </p:txBody>
+      </p:sp>
+    </p:spTree>
+    <p:extLst>
+      <p:ext uri="{BB962C8B-B14F-4D97-AF65-F5344CB8AC3E}">
+        <p14:creationId xmlns:p14="http://schemas.microsoft.com/office/powerpoint/2010/main" val="2810075227"/>
       </p:ext>
     </p:extLst>
   </p:cSld>
